--- a/USSCC_DOCUMENT/presentations/User Story Specific Code Coverage Tool.pptx
+++ b/USSCC_DOCUMENT/presentations/User Story Specific Code Coverage Tool.pptx
@@ -2,29 +2,29 @@
 <file path=ppt/presentation.xml><?xml version="1.0" encoding="utf-8"?>
 <p:presentation xmlns:a="http://schemas.openxmlformats.org/drawingml/2006/main" xmlns:r="http://schemas.openxmlformats.org/officeDocument/2006/relationships" xmlns:p="http://schemas.openxmlformats.org/presentationml/2006/main" saveSubsetFonts="1">
   <p:sldMasterIdLst>
-    <p:sldMasterId id="2147483648" r:id="rId1"/>
+    <p:sldMasterId id="2147483648" r:id="rId4"/>
   </p:sldMasterIdLst>
   <p:notesMasterIdLst>
-    <p:notesMasterId r:id="rId16"/>
+    <p:notesMasterId r:id="rId19"/>
   </p:notesMasterIdLst>
   <p:handoutMasterIdLst>
-    <p:handoutMasterId r:id="rId17"/>
+    <p:handoutMasterId r:id="rId20"/>
   </p:handoutMasterIdLst>
   <p:sldIdLst>
-    <p:sldId id="348" r:id="rId2"/>
-    <p:sldId id="344" r:id="rId3"/>
-    <p:sldId id="345" r:id="rId4"/>
-    <p:sldId id="346" r:id="rId5"/>
-    <p:sldId id="341" r:id="rId6"/>
-    <p:sldId id="349" r:id="rId7"/>
-    <p:sldId id="351" r:id="rId8"/>
-    <p:sldId id="352" r:id="rId9"/>
-    <p:sldId id="354" r:id="rId10"/>
-    <p:sldId id="350" r:id="rId11"/>
-    <p:sldId id="353" r:id="rId12"/>
-    <p:sldId id="342" r:id="rId13"/>
-    <p:sldId id="355" r:id="rId14"/>
-    <p:sldId id="280" r:id="rId15"/>
+    <p:sldId id="348" r:id="rId5"/>
+    <p:sldId id="344" r:id="rId6"/>
+    <p:sldId id="345" r:id="rId7"/>
+    <p:sldId id="346" r:id="rId8"/>
+    <p:sldId id="341" r:id="rId9"/>
+    <p:sldId id="353" r:id="rId10"/>
+    <p:sldId id="356" r:id="rId11"/>
+    <p:sldId id="349" r:id="rId12"/>
+    <p:sldId id="351" r:id="rId13"/>
+    <p:sldId id="352" r:id="rId14"/>
+    <p:sldId id="354" r:id="rId15"/>
+    <p:sldId id="350" r:id="rId16"/>
+    <p:sldId id="342" r:id="rId17"/>
+    <p:sldId id="280" r:id="rId18"/>
   </p:sldIdLst>
   <p:sldSz cx="9144000" cy="6858000" type="screen4x3"/>
   <p:notesSz cx="6797675" cy="9874250"/>
@@ -258,7 +258,7 @@
           <a:p>
             <a:fld id="{41BCB488-1B50-49E6-94C4-12062B299152}" type="datetimeFigureOut">
               <a:rPr lang="en-US" smtClean="0"/>
-              <a:t>8/31/2015</a:t>
+              <a:t>5/23/2017</a:t>
             </a:fld>
             <a:endParaRPr lang="en-US" dirty="0"/>
           </a:p>
@@ -423,7 +423,7 @@
           <a:p>
             <a:fld id="{F8E55279-6DA4-4269-A1DB-6817F96B4217}" type="datetimeFigureOut">
               <a:rPr lang="en-US" smtClean="0"/>
-              <a:t>8/31/2015</a:t>
+              <a:t>5/23/2017</a:t>
             </a:fld>
             <a:endParaRPr lang="en-US" dirty="0"/>
           </a:p>
@@ -2318,14 +2318,14 @@
           </a:ln>
           <a:extLst>
             <a:ext uri="{909E8E84-426E-40dd-AFC4-6F175D3DCCD1}">
-              <a14:hiddenFill xmlns="" xmlns:a14="http://schemas.microsoft.com/office/drawing/2010/main">
+              <a14:hiddenFill xmlns:a14="http://schemas.microsoft.com/office/drawing/2010/main" xmlns="">
                 <a:solidFill>
                   <a:srgbClr val="FFFFFF"/>
                 </a:solidFill>
               </a14:hiddenFill>
             </a:ext>
             <a:ext uri="{91240B29-F687-4f45-9708-019B960494DF}">
-              <a14:hiddenLine xmlns="" xmlns:a14="http://schemas.microsoft.com/office/drawing/2010/main" w="9525">
+              <a14:hiddenLine xmlns:a14="http://schemas.microsoft.com/office/drawing/2010/main" xmlns="" w="9525">
                 <a:solidFill>
                   <a:srgbClr val="000000"/>
                 </a:solidFill>
@@ -2441,23 +2441,22 @@
         <p:spPr/>
         <p:txBody>
           <a:bodyPr>
-            <a:normAutofit/>
+            <a:normAutofit fontScale="90000"/>
           </a:bodyPr>
           <a:lstStyle/>
           <a:p>
             <a:r>
               <a:rPr lang="en-IN" dirty="0"/>
-              <a:t>USSCC Plugin </a:t>
-            </a:r>
-            <a:r>
-              <a:rPr lang="en-IN" dirty="0" smtClean="0"/>
-              <a:t>– </a:t>
-            </a:r>
-            <a:r>
-              <a:rPr lang="en-IN" smtClean="0"/>
-              <a:t>Dashboard Widget</a:t>
-            </a:r>
-            <a:endParaRPr lang="en-IN" dirty="0"/>
+              <a:t>USSCC Plugin – Add to </a:t>
+            </a:r>
+            <a:r>
+              <a:rPr lang="en-IN" dirty="0" err="1"/>
+              <a:t>SonarQube</a:t>
+            </a:r>
+            <a:r>
+              <a:rPr lang="en-IN" dirty="0"/>
+              <a:t> Dashboard</a:t>
+            </a:r>
           </a:p>
         </p:txBody>
       </p:sp>
@@ -2476,7 +2475,7 @@
           <a:bodyPr/>
           <a:lstStyle/>
           <a:p>
-            <a:endParaRPr lang="en-IN" dirty="0"/>
+            <a:endParaRPr lang="en-IN"/>
           </a:p>
         </p:txBody>
       </p:sp>
@@ -2496,8 +2495,8 @@
         </p:blipFill>
         <p:spPr>
           <a:xfrm>
-            <a:off x="487367" y="1600200"/>
-            <a:ext cx="8169266" cy="4114800"/>
+            <a:off x="457200" y="2209800"/>
+            <a:ext cx="8266176" cy="2133600"/>
           </a:xfrm>
           <a:prstGeom prst="rect">
             <a:avLst/>
@@ -2507,7 +2506,7 @@
     </p:spTree>
     <p:extLst>
       <p:ext uri="{BB962C8B-B14F-4D97-AF65-F5344CB8AC3E}">
-        <p14:creationId xmlns:p14="http://schemas.microsoft.com/office/powerpoint/2010/main" val="2700347622"/>
+        <p14:creationId xmlns:p14="http://schemas.microsoft.com/office/powerpoint/2010/main" val="4047275863"/>
       </p:ext>
     </p:extLst>
   </p:cSld>
@@ -2553,93 +2552,70 @@
         </p:nvSpPr>
         <p:spPr/>
         <p:txBody>
-          <a:bodyPr/>
-          <a:lstStyle/>
-          <a:p>
-            <a:r>
-              <a:rPr lang="en-US" dirty="0" smtClean="0">
-                <a:sym typeface="Franklin Gothic Medium" pitchFamily="34" charset="0"/>
-              </a:rPr>
-              <a:t>Tools Capability</a:t>
-            </a:r>
-            <a:endParaRPr lang="en-IN" dirty="0"/>
-          </a:p>
-        </p:txBody>
-      </p:sp>
-      <p:sp>
-        <p:nvSpPr>
-          <p:cNvPr id="3" name="Content Placeholder 2"/>
-          <p:cNvSpPr>
-            <a:spLocks noGrp="1"/>
-          </p:cNvSpPr>
-          <p:nvPr>
-            <p:ph idx="1"/>
-          </p:nvPr>
-        </p:nvSpPr>
-        <p:spPr/>
-        <p:txBody>
           <a:bodyPr>
             <a:normAutofit/>
           </a:bodyPr>
           <a:lstStyle/>
           <a:p>
-            <a:endParaRPr lang="en-IN" dirty="0" smtClean="0"/>
-          </a:p>
-          <a:p>
-            <a:r>
-              <a:rPr lang="en-US" sz="2800" dirty="0" smtClean="0"/>
-              <a:t>Tool is currently </a:t>
-            </a:r>
-            <a:r>
-              <a:rPr lang="en-US" sz="2800" dirty="0"/>
-              <a:t>supporting </a:t>
-            </a:r>
-            <a:r>
-              <a:rPr lang="en-US" sz="2800" dirty="0" smtClean="0"/>
-              <a:t>“SVN”,“</a:t>
-            </a:r>
-            <a:r>
-              <a:rPr lang="en-US" sz="2800" dirty="0" err="1" smtClean="0"/>
-              <a:t>Git</a:t>
-            </a:r>
-            <a:r>
-              <a:rPr lang="en-US" sz="2800" dirty="0" smtClean="0"/>
-              <a:t>” &amp; IBM </a:t>
-            </a:r>
-            <a:r>
-              <a:rPr lang="en-US" sz="2800" dirty="0" err="1" smtClean="0"/>
-              <a:t>Clearcase</a:t>
-            </a:r>
-            <a:r>
-              <a:rPr lang="en-US" sz="2800" dirty="0" smtClean="0"/>
-              <a:t> code repositories.</a:t>
-            </a:r>
-          </a:p>
-          <a:p>
-            <a:endParaRPr lang="en-US" sz="2800" dirty="0"/>
-          </a:p>
-          <a:p>
-            <a:r>
-              <a:rPr lang="en-US" sz="2800" dirty="0" smtClean="0"/>
-              <a:t>It is interface driven, can be further extended to support any SCM repository.</a:t>
-            </a:r>
-          </a:p>
-          <a:p>
-            <a:endParaRPr lang="en-US" sz="2800" dirty="0"/>
-          </a:p>
-          <a:p>
-            <a:r>
-              <a:rPr lang="en-IN" sz="2800" dirty="0" smtClean="0"/>
-              <a:t>Available as Sonar Plugin &amp; Standalone Program.</a:t>
-            </a:r>
-            <a:endParaRPr lang="en-IN" sz="2800" dirty="0"/>
-          </a:p>
-        </p:txBody>
-      </p:sp>
+            <a:r>
+              <a:rPr lang="en-IN" dirty="0"/>
+              <a:t>USSCC Plugin – </a:t>
+            </a:r>
+            <a:r>
+              <a:rPr lang="en-IN" dirty="0" smtClean="0"/>
+              <a:t>Configure Plugin</a:t>
+            </a:r>
+            <a:endParaRPr lang="en-IN" dirty="0"/>
+          </a:p>
+        </p:txBody>
+      </p:sp>
+      <p:sp>
+        <p:nvSpPr>
+          <p:cNvPr id="3" name="Content Placeholder 2"/>
+          <p:cNvSpPr>
+            <a:spLocks noGrp="1"/>
+          </p:cNvSpPr>
+          <p:nvPr>
+            <p:ph idx="1"/>
+          </p:nvPr>
+        </p:nvSpPr>
+        <p:spPr/>
+        <p:txBody>
+          <a:bodyPr/>
+          <a:lstStyle/>
+          <a:p>
+            <a:endParaRPr lang="en-IN"/>
+          </a:p>
+        </p:txBody>
+      </p:sp>
+      <p:pic>
+        <p:nvPicPr>
+          <p:cNvPr id="7" name="Picture 6"/>
+          <p:cNvPicPr>
+            <a:picLocks noChangeAspect="1"/>
+          </p:cNvPicPr>
+          <p:nvPr/>
+        </p:nvPicPr>
+        <p:blipFill>
+          <a:blip r:embed="rId2"/>
+          <a:stretch>
+            <a:fillRect/>
+          </a:stretch>
+        </p:blipFill>
+        <p:spPr>
+          <a:xfrm>
+            <a:off x="457200" y="1066800"/>
+            <a:ext cx="8214360" cy="4879479"/>
+          </a:xfrm>
+          <a:prstGeom prst="rect">
+            <a:avLst/>
+          </a:prstGeom>
+        </p:spPr>
+      </p:pic>
     </p:spTree>
     <p:extLst>
       <p:ext uri="{BB962C8B-B14F-4D97-AF65-F5344CB8AC3E}">
-        <p14:creationId xmlns:p14="http://schemas.microsoft.com/office/powerpoint/2010/main" val="2774667277"/>
+        <p14:creationId xmlns:p14="http://schemas.microsoft.com/office/powerpoint/2010/main" val="2706095607"/>
       </p:ext>
     </p:extLst>
   </p:cSld>
@@ -2657,6 +2633,119 @@
 </file>
 
 <file path=ppt/slides/slide12.xml><?xml version="1.0" encoding="utf-8"?>
+<p:sld xmlns:a="http://schemas.openxmlformats.org/drawingml/2006/main" xmlns:r="http://schemas.openxmlformats.org/officeDocument/2006/relationships" xmlns:p="http://schemas.openxmlformats.org/presentationml/2006/main">
+  <p:cSld>
+    <p:spTree>
+      <p:nvGrpSpPr>
+        <p:cNvPr id="1" name=""/>
+        <p:cNvGrpSpPr/>
+        <p:nvPr/>
+      </p:nvGrpSpPr>
+      <p:grpSpPr>
+        <a:xfrm>
+          <a:off x="0" y="0"/>
+          <a:ext cx="0" cy="0"/>
+          <a:chOff x="0" y="0"/>
+          <a:chExt cx="0" cy="0"/>
+        </a:xfrm>
+      </p:grpSpPr>
+      <p:sp>
+        <p:nvSpPr>
+          <p:cNvPr id="2" name="Title 1"/>
+          <p:cNvSpPr>
+            <a:spLocks noGrp="1"/>
+          </p:cNvSpPr>
+          <p:nvPr>
+            <p:ph type="title"/>
+          </p:nvPr>
+        </p:nvSpPr>
+        <p:spPr/>
+        <p:txBody>
+          <a:bodyPr>
+            <a:normAutofit/>
+          </a:bodyPr>
+          <a:lstStyle/>
+          <a:p>
+            <a:r>
+              <a:rPr lang="en-IN" dirty="0"/>
+              <a:t>USSCC Plugin </a:t>
+            </a:r>
+            <a:r>
+              <a:rPr lang="en-IN" dirty="0" smtClean="0"/>
+              <a:t>– </a:t>
+            </a:r>
+            <a:r>
+              <a:rPr lang="en-IN" smtClean="0"/>
+              <a:t>Dashboard Widget</a:t>
+            </a:r>
+            <a:endParaRPr lang="en-IN" dirty="0"/>
+          </a:p>
+        </p:txBody>
+      </p:sp>
+      <p:sp>
+        <p:nvSpPr>
+          <p:cNvPr id="3" name="Content Placeholder 2"/>
+          <p:cNvSpPr>
+            <a:spLocks noGrp="1"/>
+          </p:cNvSpPr>
+          <p:nvPr>
+            <p:ph idx="1"/>
+          </p:nvPr>
+        </p:nvSpPr>
+        <p:spPr/>
+        <p:txBody>
+          <a:bodyPr/>
+          <a:lstStyle/>
+          <a:p>
+            <a:endParaRPr lang="en-IN" dirty="0"/>
+          </a:p>
+        </p:txBody>
+      </p:sp>
+      <p:pic>
+        <p:nvPicPr>
+          <p:cNvPr id="7" name="Picture 6"/>
+          <p:cNvPicPr>
+            <a:picLocks noChangeAspect="1"/>
+          </p:cNvPicPr>
+          <p:nvPr/>
+        </p:nvPicPr>
+        <p:blipFill>
+          <a:blip r:embed="rId2"/>
+          <a:stretch>
+            <a:fillRect/>
+          </a:stretch>
+        </p:blipFill>
+        <p:spPr>
+          <a:xfrm>
+            <a:off x="541585" y="1063752"/>
+            <a:ext cx="8060829" cy="4876800"/>
+          </a:xfrm>
+          <a:prstGeom prst="rect">
+            <a:avLst/>
+          </a:prstGeom>
+        </p:spPr>
+      </p:pic>
+    </p:spTree>
+    <p:extLst>
+      <p:ext uri="{BB962C8B-B14F-4D97-AF65-F5344CB8AC3E}">
+        <p14:creationId xmlns:p14="http://schemas.microsoft.com/office/powerpoint/2010/main" val="2700347622"/>
+      </p:ext>
+    </p:extLst>
+  </p:cSld>
+  <p:clrMapOvr>
+    <a:masterClrMapping/>
+  </p:clrMapOvr>
+  <p:timing>
+    <p:tnLst>
+      <p:par>
+        <p:cTn id="1" dur="indefinite" restart="never" nodeType="tmRoot"/>
+      </p:par>
+    </p:tnLst>
+  </p:timing>
+</p:sld>
+</file>
+
+<file path=ppt/slides/slide13.xml><?xml version="1.0" encoding="utf-8"?>
 <p:sld xmlns:a="http://schemas.openxmlformats.org/drawingml/2006/main" xmlns:r="http://schemas.openxmlformats.org/officeDocument/2006/relationships" xmlns:p="http://schemas.openxmlformats.org/presentationml/2006/main">
   <p:cSld>
     <p:spTree>
@@ -2766,122 +2855,6 @@
 </p:sld>
 </file>
 
-<file path=ppt/slides/slide13.xml><?xml version="1.0" encoding="utf-8"?>
-<p:sld xmlns:a="http://schemas.openxmlformats.org/drawingml/2006/main" xmlns:r="http://schemas.openxmlformats.org/officeDocument/2006/relationships" xmlns:p="http://schemas.openxmlformats.org/presentationml/2006/main">
-  <p:cSld>
-    <p:spTree>
-      <p:nvGrpSpPr>
-        <p:cNvPr id="1" name=""/>
-        <p:cNvGrpSpPr/>
-        <p:nvPr/>
-      </p:nvGrpSpPr>
-      <p:grpSpPr>
-        <a:xfrm>
-          <a:off x="0" y="0"/>
-          <a:ext cx="0" cy="0"/>
-          <a:chOff x="0" y="0"/>
-          <a:chExt cx="0" cy="0"/>
-        </a:xfrm>
-      </p:grpSpPr>
-      <p:sp>
-        <p:nvSpPr>
-          <p:cNvPr id="2" name="Title 1"/>
-          <p:cNvSpPr>
-            <a:spLocks noGrp="1"/>
-          </p:cNvSpPr>
-          <p:nvPr>
-            <p:ph type="title"/>
-          </p:nvPr>
-        </p:nvSpPr>
-        <p:spPr/>
-        <p:txBody>
-          <a:bodyPr/>
-          <a:lstStyle/>
-          <a:p>
-            <a:r>
-              <a:rPr lang="en-IN" smtClean="0"/>
-              <a:t>Contributions By</a:t>
-            </a:r>
-            <a:endParaRPr lang="en-IN" dirty="0"/>
-          </a:p>
-        </p:txBody>
-      </p:sp>
-      <p:sp>
-        <p:nvSpPr>
-          <p:cNvPr id="3" name="Content Placeholder 2"/>
-          <p:cNvSpPr>
-            <a:spLocks noGrp="1"/>
-          </p:cNvSpPr>
-          <p:nvPr>
-            <p:ph idx="1"/>
-          </p:nvPr>
-        </p:nvSpPr>
-        <p:spPr/>
-        <p:txBody>
-          <a:bodyPr/>
-          <a:lstStyle/>
-          <a:p>
-            <a:r>
-              <a:rPr lang="en-IN" dirty="0" smtClean="0"/>
-              <a:t>Chetan </a:t>
-            </a:r>
-            <a:r>
-              <a:rPr lang="en-IN" dirty="0" err="1" smtClean="0"/>
-              <a:t>Kalanki</a:t>
-            </a:r>
-            <a:endParaRPr lang="en-IN" dirty="0" smtClean="0"/>
-          </a:p>
-          <a:p>
-            <a:r>
-              <a:rPr lang="en-IN" dirty="0" smtClean="0"/>
-              <a:t>Saurabh </a:t>
-            </a:r>
-            <a:r>
-              <a:rPr lang="en-IN" dirty="0" smtClean="0"/>
-              <a:t>Juneja</a:t>
-            </a:r>
-          </a:p>
-          <a:p>
-            <a:r>
-              <a:rPr lang="en-IN" dirty="0" smtClean="0"/>
-              <a:t>Manish Maker</a:t>
-            </a:r>
-          </a:p>
-          <a:p>
-            <a:r>
-              <a:rPr lang="en-IN" dirty="0" smtClean="0"/>
-              <a:t>Akshay Jain</a:t>
-            </a:r>
-          </a:p>
-          <a:p>
-            <a:r>
-              <a:rPr lang="en-IN" smtClean="0"/>
-              <a:t>Pallavi Garg</a:t>
-            </a:r>
-            <a:endParaRPr lang="en-IN" dirty="0"/>
-          </a:p>
-        </p:txBody>
-      </p:sp>
-    </p:spTree>
-    <p:extLst>
-      <p:ext uri="{BB962C8B-B14F-4D97-AF65-F5344CB8AC3E}">
-        <p14:creationId xmlns:p14="http://schemas.microsoft.com/office/powerpoint/2010/main" val="1378812216"/>
-      </p:ext>
-    </p:extLst>
-  </p:cSld>
-  <p:clrMapOvr>
-    <a:masterClrMapping/>
-  </p:clrMapOvr>
-  <p:timing>
-    <p:tnLst>
-      <p:par>
-        <p:cTn id="1" dur="indefinite" restart="never" nodeType="tmRoot"/>
-      </p:par>
-    </p:tnLst>
-  </p:timing>
-</p:sld>
-</file>
-
 <file path=ppt/slides/slide14.xml><?xml version="1.0" encoding="utf-8"?>
 <p:sld xmlns:a="http://schemas.openxmlformats.org/drawingml/2006/main" xmlns:r="http://schemas.openxmlformats.org/officeDocument/2006/relationships" xmlns:p="http://schemas.openxmlformats.org/presentationml/2006/main">
   <p:cSld>
@@ -3427,6 +3400,277 @@
 </file>
 
 <file path=ppt/slides/slide6.xml><?xml version="1.0" encoding="utf-8"?>
+<p:sld xmlns:a="http://schemas.openxmlformats.org/drawingml/2006/main" xmlns:r="http://schemas.openxmlformats.org/officeDocument/2006/relationships" xmlns:p="http://schemas.openxmlformats.org/presentationml/2006/main">
+  <p:cSld>
+    <p:spTree>
+      <p:nvGrpSpPr>
+        <p:cNvPr id="1" name=""/>
+        <p:cNvGrpSpPr/>
+        <p:nvPr/>
+      </p:nvGrpSpPr>
+      <p:grpSpPr>
+        <a:xfrm>
+          <a:off x="0" y="0"/>
+          <a:ext cx="0" cy="0"/>
+          <a:chOff x="0" y="0"/>
+          <a:chExt cx="0" cy="0"/>
+        </a:xfrm>
+      </p:grpSpPr>
+      <p:sp>
+        <p:nvSpPr>
+          <p:cNvPr id="2" name="Title 1"/>
+          <p:cNvSpPr>
+            <a:spLocks noGrp="1"/>
+          </p:cNvSpPr>
+          <p:nvPr>
+            <p:ph type="title"/>
+          </p:nvPr>
+        </p:nvSpPr>
+        <p:spPr/>
+        <p:txBody>
+          <a:bodyPr/>
+          <a:lstStyle/>
+          <a:p>
+            <a:r>
+              <a:rPr lang="en-US" dirty="0" smtClean="0">
+                <a:sym typeface="Franklin Gothic Medium" pitchFamily="34" charset="0"/>
+              </a:rPr>
+              <a:t>Tools Capability</a:t>
+            </a:r>
+            <a:endParaRPr lang="en-IN" dirty="0"/>
+          </a:p>
+        </p:txBody>
+      </p:sp>
+      <p:sp>
+        <p:nvSpPr>
+          <p:cNvPr id="3" name="Content Placeholder 2"/>
+          <p:cNvSpPr>
+            <a:spLocks noGrp="1"/>
+          </p:cNvSpPr>
+          <p:nvPr>
+            <p:ph idx="1"/>
+          </p:nvPr>
+        </p:nvSpPr>
+        <p:spPr/>
+        <p:txBody>
+          <a:bodyPr>
+            <a:normAutofit/>
+          </a:bodyPr>
+          <a:lstStyle/>
+          <a:p>
+            <a:r>
+              <a:rPr lang="en-US" sz="2800" dirty="0" smtClean="0"/>
+              <a:t>Tool </a:t>
+            </a:r>
+            <a:r>
+              <a:rPr lang="en-US" sz="2800" dirty="0" smtClean="0"/>
+              <a:t>is currently </a:t>
+            </a:r>
+            <a:r>
+              <a:rPr lang="en-US" sz="2800" dirty="0"/>
+              <a:t>supporting </a:t>
+            </a:r>
+            <a:r>
+              <a:rPr lang="en-US" sz="2800" dirty="0" smtClean="0"/>
+              <a:t>“SVN”,“</a:t>
+            </a:r>
+            <a:r>
+              <a:rPr lang="en-US" sz="2800" dirty="0" err="1" smtClean="0"/>
+              <a:t>Git</a:t>
+            </a:r>
+            <a:r>
+              <a:rPr lang="en-US" sz="2800" dirty="0" smtClean="0"/>
+              <a:t>” &amp; IBM </a:t>
+            </a:r>
+            <a:r>
+              <a:rPr lang="en-US" sz="2800" dirty="0" err="1" smtClean="0"/>
+              <a:t>Clearcase</a:t>
+            </a:r>
+            <a:r>
+              <a:rPr lang="en-US" sz="2800" dirty="0" smtClean="0"/>
+              <a:t> code repositories.</a:t>
+            </a:r>
+          </a:p>
+          <a:p>
+            <a:endParaRPr lang="en-US" sz="2800" dirty="0"/>
+          </a:p>
+          <a:p>
+            <a:r>
+              <a:rPr lang="en-US" sz="2800" dirty="0" smtClean="0"/>
+              <a:t>It is interface driven, can be further extended to support any SCM repository.</a:t>
+            </a:r>
+          </a:p>
+          <a:p>
+            <a:endParaRPr lang="en-US" sz="2800" dirty="0"/>
+          </a:p>
+          <a:p>
+            <a:r>
+              <a:rPr lang="en-IN" sz="2800" dirty="0" smtClean="0"/>
+              <a:t>Available as Sonar Plugin &amp; Standalone Program.</a:t>
+            </a:r>
+            <a:endParaRPr lang="en-IN" sz="2800" dirty="0"/>
+          </a:p>
+        </p:txBody>
+      </p:sp>
+    </p:spTree>
+    <p:extLst>
+      <p:ext uri="{BB962C8B-B14F-4D97-AF65-F5344CB8AC3E}">
+        <p14:creationId xmlns:p14="http://schemas.microsoft.com/office/powerpoint/2010/main" val="2774667277"/>
+      </p:ext>
+    </p:extLst>
+  </p:cSld>
+  <p:clrMapOvr>
+    <a:masterClrMapping/>
+  </p:clrMapOvr>
+  <p:timing>
+    <p:tnLst>
+      <p:par>
+        <p:cTn id="1" dur="indefinite" restart="never" nodeType="tmRoot"/>
+      </p:par>
+    </p:tnLst>
+  </p:timing>
+</p:sld>
+</file>
+
+<file path=ppt/slides/slide7.xml><?xml version="1.0" encoding="utf-8"?>
+<p:sld xmlns:a="http://schemas.openxmlformats.org/drawingml/2006/main" xmlns:r="http://schemas.openxmlformats.org/officeDocument/2006/relationships" xmlns:p="http://schemas.openxmlformats.org/presentationml/2006/main">
+  <p:cSld>
+    <p:spTree>
+      <p:nvGrpSpPr>
+        <p:cNvPr id="1" name=""/>
+        <p:cNvGrpSpPr/>
+        <p:nvPr/>
+      </p:nvGrpSpPr>
+      <p:grpSpPr>
+        <a:xfrm>
+          <a:off x="0" y="0"/>
+          <a:ext cx="0" cy="0"/>
+          <a:chOff x="0" y="0"/>
+          <a:chExt cx="0" cy="0"/>
+        </a:xfrm>
+      </p:grpSpPr>
+      <p:sp>
+        <p:nvSpPr>
+          <p:cNvPr id="2" name="Title 1"/>
+          <p:cNvSpPr>
+            <a:spLocks noGrp="1"/>
+          </p:cNvSpPr>
+          <p:nvPr>
+            <p:ph type="title"/>
+          </p:nvPr>
+        </p:nvSpPr>
+        <p:spPr/>
+        <p:txBody>
+          <a:bodyPr/>
+          <a:lstStyle/>
+          <a:p>
+            <a:pPr lvl="1"/>
+            <a:r>
+              <a:rPr lang="en-IN" sz="3400" kern="1200" dirty="0" smtClean="0">
+                <a:solidFill>
+                  <a:srgbClr val="369044"/>
+                </a:solidFill>
+                <a:latin typeface="Franklin Gothic Book" panose="020B0503020102020204" pitchFamily="34" charset="0"/>
+                <a:ea typeface="+mj-ea"/>
+                <a:cs typeface="+mj-cs"/>
+              </a:rPr>
+              <a:t>Tools Capabilities</a:t>
+            </a:r>
+            <a:endParaRPr lang="en-IN" sz="3400" kern="1200" dirty="0">
+              <a:solidFill>
+                <a:srgbClr val="369044"/>
+              </a:solidFill>
+              <a:latin typeface="Franklin Gothic Book" panose="020B0503020102020204" pitchFamily="34" charset="0"/>
+              <a:ea typeface="+mj-ea"/>
+              <a:cs typeface="+mj-cs"/>
+            </a:endParaRPr>
+          </a:p>
+        </p:txBody>
+      </p:sp>
+      <p:sp>
+        <p:nvSpPr>
+          <p:cNvPr id="3" name="Content Placeholder 2"/>
+          <p:cNvSpPr>
+            <a:spLocks noGrp="1"/>
+          </p:cNvSpPr>
+          <p:nvPr>
+            <p:ph idx="1"/>
+          </p:nvPr>
+        </p:nvSpPr>
+        <p:spPr/>
+        <p:txBody>
+          <a:bodyPr>
+            <a:normAutofit/>
+          </a:bodyPr>
+          <a:lstStyle/>
+          <a:p>
+            <a:r>
+              <a:rPr lang="en-IN" sz="2800" dirty="0" smtClean="0"/>
+              <a:t>Support </a:t>
+            </a:r>
+            <a:r>
+              <a:rPr lang="en-IN" sz="2800" dirty="0"/>
+              <a:t>For Multi Module </a:t>
+            </a:r>
+            <a:r>
+              <a:rPr lang="en-IN" sz="2800" dirty="0" smtClean="0"/>
+              <a:t>Projects</a:t>
+            </a:r>
+          </a:p>
+          <a:p>
+            <a:endParaRPr lang="en-IN" sz="2800" dirty="0"/>
+          </a:p>
+          <a:p>
+            <a:r>
+              <a:rPr lang="en-IN" sz="2800" dirty="0"/>
+              <a:t>Downloadable not covered lines of code for </a:t>
+            </a:r>
+            <a:r>
+              <a:rPr lang="en-IN" sz="2800" dirty="0" err="1"/>
+              <a:t>userstories</a:t>
+            </a:r>
+            <a:r>
+              <a:rPr lang="en-IN" sz="2800" dirty="0" smtClean="0"/>
+              <a:t>.</a:t>
+            </a:r>
+          </a:p>
+          <a:p>
+            <a:endParaRPr lang="en-IN" sz="2800" dirty="0"/>
+          </a:p>
+          <a:p>
+            <a:r>
+              <a:rPr lang="en-IN" sz="2800" dirty="0"/>
+              <a:t>Support for latest SonarQube </a:t>
+            </a:r>
+            <a:r>
+              <a:rPr lang="en-IN" sz="2800" dirty="0" smtClean="0"/>
+              <a:t>Version</a:t>
+            </a:r>
+            <a:endParaRPr lang="en-US" sz="2000" dirty="0" smtClean="0"/>
+          </a:p>
+        </p:txBody>
+      </p:sp>
+    </p:spTree>
+    <p:extLst>
+      <p:ext uri="{BB962C8B-B14F-4D97-AF65-F5344CB8AC3E}">
+        <p14:creationId xmlns:p14="http://schemas.microsoft.com/office/powerpoint/2010/main" val="2648510599"/>
+      </p:ext>
+    </p:extLst>
+  </p:cSld>
+  <p:clrMapOvr>
+    <a:masterClrMapping/>
+  </p:clrMapOvr>
+  <p:timing>
+    <p:tnLst>
+      <p:par>
+        <p:cTn id="1" dur="indefinite" restart="never" nodeType="tmRoot"/>
+      </p:par>
+    </p:tnLst>
+  </p:timing>
+</p:sld>
+</file>
+
+<file path=ppt/slides/slide8.xml><?xml version="1.0" encoding="utf-8"?>
 <p:sld xmlns:a="http://schemas.openxmlformats.org/drawingml/2006/main" xmlns:r="http://schemas.openxmlformats.org/officeDocument/2006/relationships" xmlns:p="http://schemas.openxmlformats.org/presentationml/2006/main">
   <p:cSld>
     <p:spTree>
@@ -3529,7 +3773,7 @@
 </p:sld>
 </file>
 
-<file path=ppt/slides/slide7.xml><?xml version="1.0" encoding="utf-8"?>
+<file path=ppt/slides/slide9.xml><?xml version="1.0" encoding="utf-8"?>
 <p:sld xmlns:a="http://schemas.openxmlformats.org/drawingml/2006/main" xmlns:r="http://schemas.openxmlformats.org/officeDocument/2006/relationships" xmlns:p="http://schemas.openxmlformats.org/presentationml/2006/main">
   <p:cSld>
     <p:spTree>
@@ -3626,227 +3870,6 @@
     <p:extLst>
       <p:ext uri="{BB962C8B-B14F-4D97-AF65-F5344CB8AC3E}">
         <p14:creationId xmlns:p14="http://schemas.microsoft.com/office/powerpoint/2010/main" val="1847701018"/>
-      </p:ext>
-    </p:extLst>
-  </p:cSld>
-  <p:clrMapOvr>
-    <a:masterClrMapping/>
-  </p:clrMapOvr>
-  <p:timing>
-    <p:tnLst>
-      <p:par>
-        <p:cTn id="1" dur="indefinite" restart="never" nodeType="tmRoot"/>
-      </p:par>
-    </p:tnLst>
-  </p:timing>
-</p:sld>
-</file>
-
-<file path=ppt/slides/slide8.xml><?xml version="1.0" encoding="utf-8"?>
-<p:sld xmlns:a="http://schemas.openxmlformats.org/drawingml/2006/main" xmlns:r="http://schemas.openxmlformats.org/officeDocument/2006/relationships" xmlns:p="http://schemas.openxmlformats.org/presentationml/2006/main">
-  <p:cSld>
-    <p:spTree>
-      <p:nvGrpSpPr>
-        <p:cNvPr id="1" name=""/>
-        <p:cNvGrpSpPr/>
-        <p:nvPr/>
-      </p:nvGrpSpPr>
-      <p:grpSpPr>
-        <a:xfrm>
-          <a:off x="0" y="0"/>
-          <a:ext cx="0" cy="0"/>
-          <a:chOff x="0" y="0"/>
-          <a:chExt cx="0" cy="0"/>
-        </a:xfrm>
-      </p:grpSpPr>
-      <p:sp>
-        <p:nvSpPr>
-          <p:cNvPr id="2" name="Title 1"/>
-          <p:cNvSpPr>
-            <a:spLocks noGrp="1"/>
-          </p:cNvSpPr>
-          <p:nvPr>
-            <p:ph type="title"/>
-          </p:nvPr>
-        </p:nvSpPr>
-        <p:spPr/>
-        <p:txBody>
-          <a:bodyPr>
-            <a:normAutofit fontScale="90000"/>
-          </a:bodyPr>
-          <a:lstStyle/>
-          <a:p>
-            <a:r>
-              <a:rPr lang="en-IN" dirty="0"/>
-              <a:t>USSCC Plugin – Add to </a:t>
-            </a:r>
-            <a:r>
-              <a:rPr lang="en-IN" dirty="0" err="1"/>
-              <a:t>SonarQube</a:t>
-            </a:r>
-            <a:r>
-              <a:rPr lang="en-IN" dirty="0"/>
-              <a:t> Dashboard</a:t>
-            </a:r>
-          </a:p>
-        </p:txBody>
-      </p:sp>
-      <p:sp>
-        <p:nvSpPr>
-          <p:cNvPr id="3" name="Content Placeholder 2"/>
-          <p:cNvSpPr>
-            <a:spLocks noGrp="1"/>
-          </p:cNvSpPr>
-          <p:nvPr>
-            <p:ph idx="1"/>
-          </p:nvPr>
-        </p:nvSpPr>
-        <p:spPr/>
-        <p:txBody>
-          <a:bodyPr/>
-          <a:lstStyle/>
-          <a:p>
-            <a:endParaRPr lang="en-IN"/>
-          </a:p>
-        </p:txBody>
-      </p:sp>
-      <p:pic>
-        <p:nvPicPr>
-          <p:cNvPr id="6" name="Picture 5"/>
-          <p:cNvPicPr>
-            <a:picLocks noChangeAspect="1"/>
-          </p:cNvPicPr>
-          <p:nvPr/>
-        </p:nvPicPr>
-        <p:blipFill>
-          <a:blip r:embed="rId2"/>
-          <a:stretch>
-            <a:fillRect/>
-          </a:stretch>
-        </p:blipFill>
-        <p:spPr>
-          <a:xfrm>
-            <a:off x="457200" y="2209800"/>
-            <a:ext cx="8266176" cy="2133600"/>
-          </a:xfrm>
-          <a:prstGeom prst="rect">
-            <a:avLst/>
-          </a:prstGeom>
-        </p:spPr>
-      </p:pic>
-    </p:spTree>
-    <p:extLst>
-      <p:ext uri="{BB962C8B-B14F-4D97-AF65-F5344CB8AC3E}">
-        <p14:creationId xmlns:p14="http://schemas.microsoft.com/office/powerpoint/2010/main" val="4047275863"/>
-      </p:ext>
-    </p:extLst>
-  </p:cSld>
-  <p:clrMapOvr>
-    <a:masterClrMapping/>
-  </p:clrMapOvr>
-  <p:timing>
-    <p:tnLst>
-      <p:par>
-        <p:cTn id="1" dur="indefinite" restart="never" nodeType="tmRoot"/>
-      </p:par>
-    </p:tnLst>
-  </p:timing>
-</p:sld>
-</file>
-
-<file path=ppt/slides/slide9.xml><?xml version="1.0" encoding="utf-8"?>
-<p:sld xmlns:a="http://schemas.openxmlformats.org/drawingml/2006/main" xmlns:r="http://schemas.openxmlformats.org/officeDocument/2006/relationships" xmlns:p="http://schemas.openxmlformats.org/presentationml/2006/main">
-  <p:cSld>
-    <p:spTree>
-      <p:nvGrpSpPr>
-        <p:cNvPr id="1" name=""/>
-        <p:cNvGrpSpPr/>
-        <p:nvPr/>
-      </p:nvGrpSpPr>
-      <p:grpSpPr>
-        <a:xfrm>
-          <a:off x="0" y="0"/>
-          <a:ext cx="0" cy="0"/>
-          <a:chOff x="0" y="0"/>
-          <a:chExt cx="0" cy="0"/>
-        </a:xfrm>
-      </p:grpSpPr>
-      <p:sp>
-        <p:nvSpPr>
-          <p:cNvPr id="2" name="Title 1"/>
-          <p:cNvSpPr>
-            <a:spLocks noGrp="1"/>
-          </p:cNvSpPr>
-          <p:nvPr>
-            <p:ph type="title"/>
-          </p:nvPr>
-        </p:nvSpPr>
-        <p:spPr/>
-        <p:txBody>
-          <a:bodyPr>
-            <a:normAutofit/>
-          </a:bodyPr>
-          <a:lstStyle/>
-          <a:p>
-            <a:r>
-              <a:rPr lang="en-IN" dirty="0"/>
-              <a:t>USSCC Plugin – </a:t>
-            </a:r>
-            <a:r>
-              <a:rPr lang="en-IN" dirty="0" smtClean="0"/>
-              <a:t>Configure Plugin</a:t>
-            </a:r>
-            <a:endParaRPr lang="en-IN" dirty="0"/>
-          </a:p>
-        </p:txBody>
-      </p:sp>
-      <p:sp>
-        <p:nvSpPr>
-          <p:cNvPr id="3" name="Content Placeholder 2"/>
-          <p:cNvSpPr>
-            <a:spLocks noGrp="1"/>
-          </p:cNvSpPr>
-          <p:nvPr>
-            <p:ph idx="1"/>
-          </p:nvPr>
-        </p:nvSpPr>
-        <p:spPr/>
-        <p:txBody>
-          <a:bodyPr/>
-          <a:lstStyle/>
-          <a:p>
-            <a:endParaRPr lang="en-IN"/>
-          </a:p>
-        </p:txBody>
-      </p:sp>
-      <p:pic>
-        <p:nvPicPr>
-          <p:cNvPr id="4" name="Picture 3"/>
-          <p:cNvPicPr>
-            <a:picLocks noChangeAspect="1"/>
-          </p:cNvPicPr>
-          <p:nvPr/>
-        </p:nvPicPr>
-        <p:blipFill>
-          <a:blip r:embed="rId2"/>
-          <a:stretch>
-            <a:fillRect/>
-          </a:stretch>
-        </p:blipFill>
-        <p:spPr>
-          <a:xfrm>
-            <a:off x="486177" y="1295400"/>
-            <a:ext cx="8097858" cy="4267200"/>
-          </a:xfrm>
-          <a:prstGeom prst="rect">
-            <a:avLst/>
-          </a:prstGeom>
-        </p:spPr>
-      </p:pic>
-    </p:spTree>
-    <p:extLst>
-      <p:ext uri="{BB962C8B-B14F-4D97-AF65-F5344CB8AC3E}">
-        <p14:creationId xmlns:p14="http://schemas.microsoft.com/office/powerpoint/2010/main" val="2706095607"/>
       </p:ext>
     </p:extLst>
   </p:cSld>
@@ -4724,12 +4747,9 @@
 </file>
 
 <file path=customXml/item1.xml><?xml version="1.0" encoding="utf-8"?>
-<?mso-contentType ?>
-<FormTemplates xmlns="http://schemas.microsoft.com/sharepoint/v3/contenttype/forms">
-  <Display>DocumentLibraryForm</Display>
-  <Edit>DocumentLibraryForm</Edit>
-  <New>DocumentLibraryForm</New>
-</FormTemplates>
+<p:properties xmlns:p="http://schemas.microsoft.com/office/2006/metadata/properties" xmlns:xsi="http://www.w3.org/2001/XMLSchema-instance" xmlns:pc="http://schemas.microsoft.com/office/infopath/2007/PartnerControls">
+  <documentManagement/>
+</p:properties>
 </file>
 
 <file path=customXml/item2.xml><?xml version="1.0" encoding="utf-8"?>
@@ -4847,19 +4867,43 @@
 </file>
 
 <file path=customXml/item3.xml><?xml version="1.0" encoding="utf-8"?>
-<p:properties xmlns:p="http://schemas.microsoft.com/office/2006/metadata/properties" xmlns:xsi="http://www.w3.org/2001/XMLSchema-instance" xmlns:pc="http://schemas.microsoft.com/office/infopath/2007/PartnerControls">
-  <documentManagement/>
-</p:properties>
+<?mso-contentType ?>
+<FormTemplates xmlns="http://schemas.microsoft.com/sharepoint/v3/contenttype/forms">
+  <Display>DocumentLibraryForm</Display>
+  <Edit>DocumentLibraryForm</Edit>
+  <New>DocumentLibraryForm</New>
+</FormTemplates>
 </file>
 
 <file path=customXml/itemProps1.xml><?xml version="1.0" encoding="utf-8"?>
-<ds:datastoreItem xmlns:ds="http://schemas.openxmlformats.org/officeDocument/2006/customXml" ds:itemID="{D53A3236-226E-45D9-975E-A09A5DC83BB9}"/>
+<ds:datastoreItem xmlns:ds="http://schemas.openxmlformats.org/officeDocument/2006/customXml" ds:itemID="{9A6B4C8E-E2C6-4E4A-B9F4-E6810B733BD8}">
+  <ds:schemaRefs>
+    <ds:schemaRef ds:uri="http://schemas.microsoft.com/office/2006/metadata/properties"/>
+    <ds:schemaRef ds:uri="http://schemas.microsoft.com/office/infopath/2007/PartnerControls"/>
+  </ds:schemaRefs>
+</ds:datastoreItem>
 </file>
 
 <file path=customXml/itemProps2.xml><?xml version="1.0" encoding="utf-8"?>
-<ds:datastoreItem xmlns:ds="http://schemas.openxmlformats.org/officeDocument/2006/customXml" ds:itemID="{7448C9B7-24D4-4D67-B17A-6E909352B9A1}"/>
+<ds:datastoreItem xmlns:ds="http://schemas.openxmlformats.org/officeDocument/2006/customXml" ds:itemID="{7448C9B7-24D4-4D67-B17A-6E909352B9A1}">
+  <ds:schemaRefs>
+    <ds:schemaRef ds:uri="http://schemas.microsoft.com/office/2006/metadata/contentType"/>
+    <ds:schemaRef ds:uri="http://schemas.microsoft.com/office/2006/metadata/properties/metaAttributes"/>
+    <ds:schemaRef ds:uri="http://www.w3.org/2001/XMLSchema"/>
+    <ds:schemaRef ds:uri="http://schemas.microsoft.com/office/2006/metadata/properties"/>
+    <ds:schemaRef ds:uri="http://schemas.openxmlformats.org/package/2006/metadata/core-properties"/>
+    <ds:schemaRef ds:uri="http://purl.org/dc/elements/1.1/"/>
+    <ds:schemaRef ds:uri="http://purl.org/dc/terms/"/>
+    <ds:schemaRef ds:uri="http://schemas.microsoft.com/internal/obd"/>
+    <ds:schemaRef ds:uri="http://schemas.microsoft.com/office/infopath/2007/PartnerControls"/>
+  </ds:schemaRefs>
+</ds:datastoreItem>
 </file>
 
 <file path=customXml/itemProps3.xml><?xml version="1.0" encoding="utf-8"?>
-<ds:datastoreItem xmlns:ds="http://schemas.openxmlformats.org/officeDocument/2006/customXml" ds:itemID="{9A6B4C8E-E2C6-4E4A-B9F4-E6810B733BD8}"/>
+<ds:datastoreItem xmlns:ds="http://schemas.openxmlformats.org/officeDocument/2006/customXml" ds:itemID="{D53A3236-226E-45D9-975E-A09A5DC83BB9}">
+  <ds:schemaRefs>
+    <ds:schemaRef ds:uri="http://schemas.microsoft.com/sharepoint/v3/contenttype/forms"/>
+  </ds:schemaRefs>
+</ds:datastoreItem>
 </file>
--- a/USSCC_DOCUMENT/presentations/User Story Specific Code Coverage Tool.pptx
+++ b/USSCC_DOCUMENT/presentations/User Story Specific Code Coverage Tool.pptx
@@ -5,10 +5,10 @@
     <p:sldMasterId id="2147483648" r:id="rId4"/>
   </p:sldMasterIdLst>
   <p:notesMasterIdLst>
-    <p:notesMasterId r:id="rId19"/>
+    <p:notesMasterId r:id="rId21"/>
   </p:notesMasterIdLst>
   <p:handoutMasterIdLst>
-    <p:handoutMasterId r:id="rId20"/>
+    <p:handoutMasterId r:id="rId22"/>
   </p:handoutMasterIdLst>
   <p:sldIdLst>
     <p:sldId id="348" r:id="rId5"/>
@@ -16,15 +16,17 @@
     <p:sldId id="345" r:id="rId7"/>
     <p:sldId id="346" r:id="rId8"/>
     <p:sldId id="341" r:id="rId9"/>
-    <p:sldId id="353" r:id="rId10"/>
-    <p:sldId id="356" r:id="rId11"/>
-    <p:sldId id="349" r:id="rId12"/>
-    <p:sldId id="351" r:id="rId13"/>
-    <p:sldId id="352" r:id="rId14"/>
-    <p:sldId id="354" r:id="rId15"/>
-    <p:sldId id="350" r:id="rId16"/>
-    <p:sldId id="342" r:id="rId17"/>
-    <p:sldId id="280" r:id="rId18"/>
+    <p:sldId id="349" r:id="rId10"/>
+    <p:sldId id="353" r:id="rId11"/>
+    <p:sldId id="356" r:id="rId12"/>
+    <p:sldId id="359" r:id="rId13"/>
+    <p:sldId id="351" r:id="rId14"/>
+    <p:sldId id="352" r:id="rId15"/>
+    <p:sldId id="358" r:id="rId16"/>
+    <p:sldId id="354" r:id="rId17"/>
+    <p:sldId id="350" r:id="rId18"/>
+    <p:sldId id="342" r:id="rId19"/>
+    <p:sldId id="280" r:id="rId20"/>
   </p:sldIdLst>
   <p:sldSz cx="9144000" cy="6858000" type="screen4x3"/>
   <p:notesSz cx="6797675" cy="9874250"/>
@@ -2446,6 +2448,119 @@
           <a:lstStyle/>
           <a:p>
             <a:r>
+              <a:rPr lang="en-IN" dirty="0" smtClean="0"/>
+              <a:t>USSCC Plugin – Add to </a:t>
+            </a:r>
+            <a:r>
+              <a:rPr lang="en-IN" dirty="0" err="1" smtClean="0"/>
+              <a:t>SonarQube</a:t>
+            </a:r>
+            <a:r>
+              <a:rPr lang="en-IN" dirty="0" smtClean="0"/>
+              <a:t> Dashboard</a:t>
+            </a:r>
+            <a:endParaRPr lang="en-IN" dirty="0"/>
+          </a:p>
+        </p:txBody>
+      </p:sp>
+      <p:sp>
+        <p:nvSpPr>
+          <p:cNvPr id="6" name="Content Placeholder 5"/>
+          <p:cNvSpPr>
+            <a:spLocks noGrp="1"/>
+          </p:cNvSpPr>
+          <p:nvPr>
+            <p:ph idx="1"/>
+          </p:nvPr>
+        </p:nvSpPr>
+        <p:spPr/>
+        <p:txBody>
+          <a:bodyPr/>
+          <a:lstStyle/>
+          <a:p>
+            <a:endParaRPr lang="en-IN"/>
+          </a:p>
+        </p:txBody>
+      </p:sp>
+      <p:pic>
+        <p:nvPicPr>
+          <p:cNvPr id="12" name="Picture 11"/>
+          <p:cNvPicPr>
+            <a:picLocks noChangeAspect="1"/>
+          </p:cNvPicPr>
+          <p:nvPr/>
+        </p:nvPicPr>
+        <p:blipFill>
+          <a:blip r:embed="rId2"/>
+          <a:stretch>
+            <a:fillRect/>
+          </a:stretch>
+        </p:blipFill>
+        <p:spPr>
+          <a:xfrm>
+            <a:off x="471152" y="1752600"/>
+            <a:ext cx="8199651" cy="3276600"/>
+          </a:xfrm>
+          <a:prstGeom prst="rect">
+            <a:avLst/>
+          </a:prstGeom>
+        </p:spPr>
+      </p:pic>
+    </p:spTree>
+    <p:extLst>
+      <p:ext uri="{BB962C8B-B14F-4D97-AF65-F5344CB8AC3E}">
+        <p14:creationId xmlns:p14="http://schemas.microsoft.com/office/powerpoint/2010/main" val="1847701018"/>
+      </p:ext>
+    </p:extLst>
+  </p:cSld>
+  <p:clrMapOvr>
+    <a:masterClrMapping/>
+  </p:clrMapOvr>
+  <p:timing>
+    <p:tnLst>
+      <p:par>
+        <p:cTn id="1" dur="indefinite" restart="never" nodeType="tmRoot"/>
+      </p:par>
+    </p:tnLst>
+  </p:timing>
+</p:sld>
+</file>
+
+<file path=ppt/slides/slide11.xml><?xml version="1.0" encoding="utf-8"?>
+<p:sld xmlns:a="http://schemas.openxmlformats.org/drawingml/2006/main" xmlns:r="http://schemas.openxmlformats.org/officeDocument/2006/relationships" xmlns:p="http://schemas.openxmlformats.org/presentationml/2006/main">
+  <p:cSld>
+    <p:spTree>
+      <p:nvGrpSpPr>
+        <p:cNvPr id="1" name=""/>
+        <p:cNvGrpSpPr/>
+        <p:nvPr/>
+      </p:nvGrpSpPr>
+      <p:grpSpPr>
+        <a:xfrm>
+          <a:off x="0" y="0"/>
+          <a:ext cx="0" cy="0"/>
+          <a:chOff x="0" y="0"/>
+          <a:chExt cx="0" cy="0"/>
+        </a:xfrm>
+      </p:grpSpPr>
+      <p:sp>
+        <p:nvSpPr>
+          <p:cNvPr id="2" name="Title 1"/>
+          <p:cNvSpPr>
+            <a:spLocks noGrp="1"/>
+          </p:cNvSpPr>
+          <p:nvPr>
+            <p:ph type="title"/>
+          </p:nvPr>
+        </p:nvSpPr>
+        <p:spPr/>
+        <p:txBody>
+          <a:bodyPr>
+            <a:normAutofit fontScale="90000"/>
+          </a:bodyPr>
+          <a:lstStyle/>
+          <a:p>
+            <a:r>
               <a:rPr lang="en-IN" dirty="0"/>
               <a:t>USSCC Plugin – Add to </a:t>
             </a:r>
@@ -2523,7 +2638,177 @@
 </p:sld>
 </file>
 
-<file path=ppt/slides/slide11.xml><?xml version="1.0" encoding="utf-8"?>
+<file path=ppt/slides/slide12.xml><?xml version="1.0" encoding="utf-8"?>
+<p:sld xmlns:a="http://schemas.openxmlformats.org/drawingml/2006/main" xmlns:r="http://schemas.openxmlformats.org/officeDocument/2006/relationships" xmlns:p="http://schemas.openxmlformats.org/presentationml/2006/main">
+  <p:cSld>
+    <p:spTree>
+      <p:nvGrpSpPr>
+        <p:cNvPr id="1" name=""/>
+        <p:cNvGrpSpPr/>
+        <p:nvPr/>
+      </p:nvGrpSpPr>
+      <p:grpSpPr>
+        <a:xfrm>
+          <a:off x="0" y="0"/>
+          <a:ext cx="0" cy="0"/>
+          <a:chOff x="0" y="0"/>
+          <a:chExt cx="0" cy="0"/>
+        </a:xfrm>
+      </p:grpSpPr>
+      <p:sp>
+        <p:nvSpPr>
+          <p:cNvPr id="2" name="Title 1"/>
+          <p:cNvSpPr>
+            <a:spLocks noGrp="1"/>
+          </p:cNvSpPr>
+          <p:nvPr>
+            <p:ph type="title"/>
+          </p:nvPr>
+        </p:nvSpPr>
+        <p:spPr/>
+        <p:txBody>
+          <a:bodyPr/>
+          <a:lstStyle/>
+          <a:p>
+            <a:r>
+              <a:rPr lang="en-US" dirty="0" smtClean="0"/>
+              <a:t>How to configure</a:t>
+            </a:r>
+            <a:endParaRPr lang="en-US" dirty="0"/>
+          </a:p>
+        </p:txBody>
+      </p:sp>
+      <p:sp>
+        <p:nvSpPr>
+          <p:cNvPr id="3" name="Content Placeholder 2"/>
+          <p:cNvSpPr>
+            <a:spLocks noGrp="1"/>
+          </p:cNvSpPr>
+          <p:nvPr>
+            <p:ph idx="1"/>
+          </p:nvPr>
+        </p:nvSpPr>
+        <p:spPr/>
+        <p:txBody>
+          <a:bodyPr>
+            <a:normAutofit lnSpcReduction="10000"/>
+          </a:bodyPr>
+          <a:lstStyle/>
+          <a:p>
+            <a:r>
+              <a:rPr lang="en-US" sz="2000" dirty="0" smtClean="0"/>
+              <a:t>Provide a JIRA Login Id, Password and URL</a:t>
+            </a:r>
+          </a:p>
+          <a:p>
+            <a:r>
+              <a:rPr lang="en-US" sz="2000" dirty="0" smtClean="0"/>
+              <a:t>Or Rally Key, Refer to below link on how to generate one</a:t>
+            </a:r>
+          </a:p>
+          <a:p>
+            <a:pPr lvl="1"/>
+            <a:r>
+              <a:rPr lang="en-US" sz="2000" u="sng" dirty="0">
+                <a:hlinkClick r:id="rId2"/>
+              </a:rPr>
+              <a:t>h</a:t>
+            </a:r>
+            <a:r>
+              <a:rPr lang="en-US" sz="2000" u="sng" dirty="0" smtClean="0">
+                <a:hlinkClick r:id="rId2"/>
+              </a:rPr>
+              <a:t>ttps</a:t>
+            </a:r>
+            <a:r>
+              <a:rPr lang="en-US" sz="2000" u="sng" dirty="0">
+                <a:hlinkClick r:id="rId2"/>
+              </a:rPr>
+              <a:t>://</a:t>
+            </a:r>
+            <a:r>
+              <a:rPr lang="en-US" sz="2000" u="sng" dirty="0" smtClean="0">
+                <a:hlinkClick r:id="rId2"/>
+              </a:rPr>
+              <a:t>help.rallydev.com/rally-application-manager</a:t>
+            </a:r>
+            <a:endParaRPr lang="en-US" sz="2000" dirty="0"/>
+          </a:p>
+          <a:p>
+            <a:pPr marL="457200" lvl="1" indent="0">
+              <a:buNone/>
+            </a:pPr>
+            <a:r>
+              <a:rPr lang="en-US" sz="2000" dirty="0" smtClean="0"/>
+              <a:t>OR, Configure list of user story as comma separated list.</a:t>
+            </a:r>
+          </a:p>
+          <a:p>
+            <a:endParaRPr lang="en-US" sz="2000" dirty="0"/>
+          </a:p>
+          <a:p>
+            <a:r>
+              <a:rPr lang="en-US" sz="2000" dirty="0" smtClean="0"/>
+              <a:t>Tool will take information from JIRA if details are provided or </a:t>
+            </a:r>
+            <a:r>
+              <a:rPr lang="en-US" sz="2000" dirty="0"/>
+              <a:t>Rally </a:t>
+            </a:r>
+            <a:r>
+              <a:rPr lang="en-US" sz="2000" dirty="0" smtClean="0"/>
+              <a:t>if a key is provide and active sprint have user stories are present in JIRA or rally.</a:t>
+            </a:r>
+          </a:p>
+          <a:p>
+            <a:endParaRPr lang="en-US" sz="2000" dirty="0"/>
+          </a:p>
+          <a:p>
+            <a:r>
+              <a:rPr lang="en-US" sz="2000" dirty="0" smtClean="0"/>
+              <a:t>If no JIRA or rally information is provided or there a no active sprints or user stories in both, then it </a:t>
+            </a:r>
+            <a:r>
+              <a:rPr lang="en-US" sz="2000" dirty="0"/>
+              <a:t>will accept user story as comma separated </a:t>
+            </a:r>
+            <a:r>
+              <a:rPr lang="en-US" sz="2000" dirty="0" smtClean="0"/>
+              <a:t>list as input.</a:t>
+            </a:r>
+          </a:p>
+          <a:p>
+            <a:endParaRPr lang="en-US" sz="2000" dirty="0"/>
+          </a:p>
+          <a:p>
+            <a:r>
+              <a:rPr lang="en-US" sz="2000" dirty="0" smtClean="0"/>
+              <a:t>Next slide show configuration screen.</a:t>
+            </a:r>
+          </a:p>
+        </p:txBody>
+      </p:sp>
+    </p:spTree>
+    <p:extLst>
+      <p:ext uri="{BB962C8B-B14F-4D97-AF65-F5344CB8AC3E}">
+        <p14:creationId xmlns:p14="http://schemas.microsoft.com/office/powerpoint/2010/main" val="4238089043"/>
+      </p:ext>
+    </p:extLst>
+  </p:cSld>
+  <p:clrMapOvr>
+    <a:masterClrMapping/>
+  </p:clrMapOvr>
+  <p:timing>
+    <p:tnLst>
+      <p:par>
+        <p:cTn id="1" dur="indefinite" restart="never" nodeType="tmRoot"/>
+      </p:par>
+    </p:tnLst>
+  </p:timing>
+</p:sld>
+</file>
+
+<file path=ppt/slides/slide13.xml><?xml version="1.0" encoding="utf-8"?>
 <p:sld xmlns:a="http://schemas.openxmlformats.org/drawingml/2006/main" xmlns:r="http://schemas.openxmlformats.org/officeDocument/2006/relationships" xmlns:p="http://schemas.openxmlformats.org/presentationml/2006/main">
   <p:cSld>
     <p:spTree>
@@ -2632,7 +2917,7 @@
 </p:sld>
 </file>
 
-<file path=ppt/slides/slide12.xml><?xml version="1.0" encoding="utf-8"?>
+<file path=ppt/slides/slide14.xml><?xml version="1.0" encoding="utf-8"?>
 <p:sld xmlns:a="http://schemas.openxmlformats.org/drawingml/2006/main" xmlns:r="http://schemas.openxmlformats.org/officeDocument/2006/relationships" xmlns:p="http://schemas.openxmlformats.org/presentationml/2006/main">
   <p:cSld>
     <p:spTree>
@@ -2745,7 +3030,7 @@
 </p:sld>
 </file>
 
-<file path=ppt/slides/slide13.xml><?xml version="1.0" encoding="utf-8"?>
+<file path=ppt/slides/slide15.xml><?xml version="1.0" encoding="utf-8"?>
 <p:sld xmlns:a="http://schemas.openxmlformats.org/drawingml/2006/main" xmlns:r="http://schemas.openxmlformats.org/officeDocument/2006/relationships" xmlns:p="http://schemas.openxmlformats.org/presentationml/2006/main">
   <p:cSld>
     <p:spTree>
@@ -2801,12 +3086,92 @@
         </p:nvSpPr>
         <p:spPr/>
         <p:txBody>
-          <a:bodyPr/>
+          <a:bodyPr>
+            <a:normAutofit fontScale="92500" lnSpcReduction="10000"/>
+          </a:bodyPr>
           <a:lstStyle/>
           <a:p>
             <a:pPr marL="0" indent="0">
               <a:buNone/>
             </a:pPr>
+            <a:endParaRPr lang="en-US" dirty="0" smtClean="0"/>
+          </a:p>
+          <a:p>
+            <a:pPr marL="0" indent="0">
+              <a:buNone/>
+            </a:pPr>
+            <a:endParaRPr lang="en-US" dirty="0"/>
+          </a:p>
+          <a:p>
+            <a:pPr marL="0" indent="0">
+              <a:buNone/>
+            </a:pPr>
+            <a:endParaRPr lang="en-US" dirty="0" smtClean="0"/>
+          </a:p>
+          <a:p>
+            <a:pPr marL="0" indent="0">
+              <a:buNone/>
+            </a:pPr>
+            <a:endParaRPr lang="en-US" dirty="0"/>
+          </a:p>
+          <a:p>
+            <a:pPr marL="0" indent="0">
+              <a:buNone/>
+            </a:pPr>
+            <a:endParaRPr lang="en-US" dirty="0" smtClean="0"/>
+          </a:p>
+          <a:p>
+            <a:pPr marL="0" indent="0">
+              <a:buNone/>
+            </a:pPr>
+            <a:endParaRPr lang="en-US" dirty="0"/>
+          </a:p>
+          <a:p>
+            <a:pPr marL="0" indent="0">
+              <a:buNone/>
+            </a:pPr>
+            <a:endParaRPr lang="en-US" dirty="0" smtClean="0"/>
+          </a:p>
+          <a:p>
+            <a:pPr marL="0" indent="0">
+              <a:buNone/>
+            </a:pPr>
+            <a:endParaRPr lang="en-US" dirty="0" smtClean="0"/>
+          </a:p>
+          <a:p>
+            <a:pPr marL="0" indent="0">
+              <a:buNone/>
+            </a:pPr>
+            <a:r>
+              <a:rPr lang="en-US" smtClean="0"/>
+              <a:t>---------------------------------------------------------------------------------------------------------</a:t>
+            </a:r>
+            <a:endParaRPr lang="en-US" dirty="0"/>
+          </a:p>
+          <a:p>
+            <a:pPr marL="0" indent="0">
+              <a:buNone/>
+            </a:pPr>
+            <a:r>
+              <a:rPr lang="en-US" dirty="0" smtClean="0"/>
+              <a:t>!Note: to build a standalone executable jar, use </a:t>
+            </a:r>
+            <a:r>
+              <a:rPr lang="en-US" dirty="0"/>
+              <a:t>command “clean compile </a:t>
+            </a:r>
+            <a:r>
+              <a:rPr lang="en-US" dirty="0" err="1" smtClean="0"/>
+              <a:t>assembly:single</a:t>
+            </a:r>
+            <a:r>
+              <a:rPr lang="en-US" dirty="0" smtClean="0"/>
+              <a:t>” to </a:t>
+            </a:r>
+            <a:r>
+              <a:rPr lang="en-US" dirty="0" smtClean="0"/>
+              <a:t>build the standalone project </a:t>
+            </a:r>
             <a:endParaRPr lang="en-US" dirty="0"/>
           </a:p>
         </p:txBody>
@@ -2827,7 +3192,7 @@
         </p:blipFill>
         <p:spPr>
           <a:xfrm>
-            <a:off x="152400" y="1905000"/>
+            <a:off x="162912" y="1097280"/>
             <a:ext cx="8818175" cy="3352800"/>
           </a:xfrm>
           <a:prstGeom prst="rect">
@@ -2855,7 +3220,7 @@
 </p:sld>
 </file>
 
-<file path=ppt/slides/slide14.xml><?xml version="1.0" encoding="utf-8"?>
+<file path=ppt/slides/slide16.xml><?xml version="1.0" encoding="utf-8"?>
 <p:sld xmlns:a="http://schemas.openxmlformats.org/drawingml/2006/main" xmlns:r="http://schemas.openxmlformats.org/officeDocument/2006/relationships" xmlns:p="http://schemas.openxmlformats.org/presentationml/2006/main">
   <p:cSld>
     <p:spTree>
@@ -3010,8 +3375,23 @@
           <a:p>
             <a:r>
               <a:rPr lang="en-IN" sz="2800" dirty="0" smtClean="0"/>
+              <a:t>Pre Requisites</a:t>
+            </a:r>
+          </a:p>
+          <a:p>
+            <a:r>
+              <a:rPr lang="en-IN" sz="2800" dirty="0" smtClean="0"/>
               <a:t>Screenshots</a:t>
             </a:r>
+          </a:p>
+          <a:p>
+            <a:r>
+              <a:rPr lang="en-IN" sz="2800" dirty="0"/>
+              <a:t>How to Configure</a:t>
+            </a:r>
+          </a:p>
+          <a:p>
+            <a:endParaRPr lang="en-IN" sz="2800" dirty="0" smtClean="0"/>
           </a:p>
           <a:p>
             <a:endParaRPr lang="en-IN" sz="2800" dirty="0"/>
@@ -3400,277 +3780,6 @@
 </file>
 
 <file path=ppt/slides/slide6.xml><?xml version="1.0" encoding="utf-8"?>
-<p:sld xmlns:a="http://schemas.openxmlformats.org/drawingml/2006/main" xmlns:r="http://schemas.openxmlformats.org/officeDocument/2006/relationships" xmlns:p="http://schemas.openxmlformats.org/presentationml/2006/main">
-  <p:cSld>
-    <p:spTree>
-      <p:nvGrpSpPr>
-        <p:cNvPr id="1" name=""/>
-        <p:cNvGrpSpPr/>
-        <p:nvPr/>
-      </p:nvGrpSpPr>
-      <p:grpSpPr>
-        <a:xfrm>
-          <a:off x="0" y="0"/>
-          <a:ext cx="0" cy="0"/>
-          <a:chOff x="0" y="0"/>
-          <a:chExt cx="0" cy="0"/>
-        </a:xfrm>
-      </p:grpSpPr>
-      <p:sp>
-        <p:nvSpPr>
-          <p:cNvPr id="2" name="Title 1"/>
-          <p:cNvSpPr>
-            <a:spLocks noGrp="1"/>
-          </p:cNvSpPr>
-          <p:nvPr>
-            <p:ph type="title"/>
-          </p:nvPr>
-        </p:nvSpPr>
-        <p:spPr/>
-        <p:txBody>
-          <a:bodyPr/>
-          <a:lstStyle/>
-          <a:p>
-            <a:r>
-              <a:rPr lang="en-US" dirty="0" smtClean="0">
-                <a:sym typeface="Franklin Gothic Medium" pitchFamily="34" charset="0"/>
-              </a:rPr>
-              <a:t>Tools Capability</a:t>
-            </a:r>
-            <a:endParaRPr lang="en-IN" dirty="0"/>
-          </a:p>
-        </p:txBody>
-      </p:sp>
-      <p:sp>
-        <p:nvSpPr>
-          <p:cNvPr id="3" name="Content Placeholder 2"/>
-          <p:cNvSpPr>
-            <a:spLocks noGrp="1"/>
-          </p:cNvSpPr>
-          <p:nvPr>
-            <p:ph idx="1"/>
-          </p:nvPr>
-        </p:nvSpPr>
-        <p:spPr/>
-        <p:txBody>
-          <a:bodyPr>
-            <a:normAutofit/>
-          </a:bodyPr>
-          <a:lstStyle/>
-          <a:p>
-            <a:r>
-              <a:rPr lang="en-US" sz="2800" dirty="0" smtClean="0"/>
-              <a:t>Tool </a:t>
-            </a:r>
-            <a:r>
-              <a:rPr lang="en-US" sz="2800" dirty="0" smtClean="0"/>
-              <a:t>is currently </a:t>
-            </a:r>
-            <a:r>
-              <a:rPr lang="en-US" sz="2800" dirty="0"/>
-              <a:t>supporting </a:t>
-            </a:r>
-            <a:r>
-              <a:rPr lang="en-US" sz="2800" dirty="0" smtClean="0"/>
-              <a:t>“SVN”,“</a:t>
-            </a:r>
-            <a:r>
-              <a:rPr lang="en-US" sz="2800" dirty="0" err="1" smtClean="0"/>
-              <a:t>Git</a:t>
-            </a:r>
-            <a:r>
-              <a:rPr lang="en-US" sz="2800" dirty="0" smtClean="0"/>
-              <a:t>” &amp; IBM </a:t>
-            </a:r>
-            <a:r>
-              <a:rPr lang="en-US" sz="2800" dirty="0" err="1" smtClean="0"/>
-              <a:t>Clearcase</a:t>
-            </a:r>
-            <a:r>
-              <a:rPr lang="en-US" sz="2800" dirty="0" smtClean="0"/>
-              <a:t> code repositories.</a:t>
-            </a:r>
-          </a:p>
-          <a:p>
-            <a:endParaRPr lang="en-US" sz="2800" dirty="0"/>
-          </a:p>
-          <a:p>
-            <a:r>
-              <a:rPr lang="en-US" sz="2800" dirty="0" smtClean="0"/>
-              <a:t>It is interface driven, can be further extended to support any SCM repository.</a:t>
-            </a:r>
-          </a:p>
-          <a:p>
-            <a:endParaRPr lang="en-US" sz="2800" dirty="0"/>
-          </a:p>
-          <a:p>
-            <a:r>
-              <a:rPr lang="en-IN" sz="2800" dirty="0" smtClean="0"/>
-              <a:t>Available as Sonar Plugin &amp; Standalone Program.</a:t>
-            </a:r>
-            <a:endParaRPr lang="en-IN" sz="2800" dirty="0"/>
-          </a:p>
-        </p:txBody>
-      </p:sp>
-    </p:spTree>
-    <p:extLst>
-      <p:ext uri="{BB962C8B-B14F-4D97-AF65-F5344CB8AC3E}">
-        <p14:creationId xmlns:p14="http://schemas.microsoft.com/office/powerpoint/2010/main" val="2774667277"/>
-      </p:ext>
-    </p:extLst>
-  </p:cSld>
-  <p:clrMapOvr>
-    <a:masterClrMapping/>
-  </p:clrMapOvr>
-  <p:timing>
-    <p:tnLst>
-      <p:par>
-        <p:cTn id="1" dur="indefinite" restart="never" nodeType="tmRoot"/>
-      </p:par>
-    </p:tnLst>
-  </p:timing>
-</p:sld>
-</file>
-
-<file path=ppt/slides/slide7.xml><?xml version="1.0" encoding="utf-8"?>
-<p:sld xmlns:a="http://schemas.openxmlformats.org/drawingml/2006/main" xmlns:r="http://schemas.openxmlformats.org/officeDocument/2006/relationships" xmlns:p="http://schemas.openxmlformats.org/presentationml/2006/main">
-  <p:cSld>
-    <p:spTree>
-      <p:nvGrpSpPr>
-        <p:cNvPr id="1" name=""/>
-        <p:cNvGrpSpPr/>
-        <p:nvPr/>
-      </p:nvGrpSpPr>
-      <p:grpSpPr>
-        <a:xfrm>
-          <a:off x="0" y="0"/>
-          <a:ext cx="0" cy="0"/>
-          <a:chOff x="0" y="0"/>
-          <a:chExt cx="0" cy="0"/>
-        </a:xfrm>
-      </p:grpSpPr>
-      <p:sp>
-        <p:nvSpPr>
-          <p:cNvPr id="2" name="Title 1"/>
-          <p:cNvSpPr>
-            <a:spLocks noGrp="1"/>
-          </p:cNvSpPr>
-          <p:nvPr>
-            <p:ph type="title"/>
-          </p:nvPr>
-        </p:nvSpPr>
-        <p:spPr/>
-        <p:txBody>
-          <a:bodyPr/>
-          <a:lstStyle/>
-          <a:p>
-            <a:pPr lvl="1"/>
-            <a:r>
-              <a:rPr lang="en-IN" sz="3400" kern="1200" dirty="0" smtClean="0">
-                <a:solidFill>
-                  <a:srgbClr val="369044"/>
-                </a:solidFill>
-                <a:latin typeface="Franklin Gothic Book" panose="020B0503020102020204" pitchFamily="34" charset="0"/>
-                <a:ea typeface="+mj-ea"/>
-                <a:cs typeface="+mj-cs"/>
-              </a:rPr>
-              <a:t>Tools Capabilities</a:t>
-            </a:r>
-            <a:endParaRPr lang="en-IN" sz="3400" kern="1200" dirty="0">
-              <a:solidFill>
-                <a:srgbClr val="369044"/>
-              </a:solidFill>
-              <a:latin typeface="Franklin Gothic Book" panose="020B0503020102020204" pitchFamily="34" charset="0"/>
-              <a:ea typeface="+mj-ea"/>
-              <a:cs typeface="+mj-cs"/>
-            </a:endParaRPr>
-          </a:p>
-        </p:txBody>
-      </p:sp>
-      <p:sp>
-        <p:nvSpPr>
-          <p:cNvPr id="3" name="Content Placeholder 2"/>
-          <p:cNvSpPr>
-            <a:spLocks noGrp="1"/>
-          </p:cNvSpPr>
-          <p:nvPr>
-            <p:ph idx="1"/>
-          </p:nvPr>
-        </p:nvSpPr>
-        <p:spPr/>
-        <p:txBody>
-          <a:bodyPr>
-            <a:normAutofit/>
-          </a:bodyPr>
-          <a:lstStyle/>
-          <a:p>
-            <a:r>
-              <a:rPr lang="en-IN" sz="2800" dirty="0" smtClean="0"/>
-              <a:t>Support </a:t>
-            </a:r>
-            <a:r>
-              <a:rPr lang="en-IN" sz="2800" dirty="0"/>
-              <a:t>For Multi Module </a:t>
-            </a:r>
-            <a:r>
-              <a:rPr lang="en-IN" sz="2800" dirty="0" smtClean="0"/>
-              <a:t>Projects</a:t>
-            </a:r>
-          </a:p>
-          <a:p>
-            <a:endParaRPr lang="en-IN" sz="2800" dirty="0"/>
-          </a:p>
-          <a:p>
-            <a:r>
-              <a:rPr lang="en-IN" sz="2800" dirty="0"/>
-              <a:t>Downloadable not covered lines of code for </a:t>
-            </a:r>
-            <a:r>
-              <a:rPr lang="en-IN" sz="2800" dirty="0" err="1"/>
-              <a:t>userstories</a:t>
-            </a:r>
-            <a:r>
-              <a:rPr lang="en-IN" sz="2800" dirty="0" smtClean="0"/>
-              <a:t>.</a:t>
-            </a:r>
-          </a:p>
-          <a:p>
-            <a:endParaRPr lang="en-IN" sz="2800" dirty="0"/>
-          </a:p>
-          <a:p>
-            <a:r>
-              <a:rPr lang="en-IN" sz="2800" dirty="0"/>
-              <a:t>Support for latest SonarQube </a:t>
-            </a:r>
-            <a:r>
-              <a:rPr lang="en-IN" sz="2800" dirty="0" smtClean="0"/>
-              <a:t>Version</a:t>
-            </a:r>
-            <a:endParaRPr lang="en-US" sz="2000" dirty="0" smtClean="0"/>
-          </a:p>
-        </p:txBody>
-      </p:sp>
-    </p:spTree>
-    <p:extLst>
-      <p:ext uri="{BB962C8B-B14F-4D97-AF65-F5344CB8AC3E}">
-        <p14:creationId xmlns:p14="http://schemas.microsoft.com/office/powerpoint/2010/main" val="2648510599"/>
-      </p:ext>
-    </p:extLst>
-  </p:cSld>
-  <p:clrMapOvr>
-    <a:masterClrMapping/>
-  </p:clrMapOvr>
-  <p:timing>
-    <p:tnLst>
-      <p:par>
-        <p:cTn id="1" dur="indefinite" restart="never" nodeType="tmRoot"/>
-      </p:par>
-    </p:tnLst>
-  </p:timing>
-</p:sld>
-</file>
-
-<file path=ppt/slides/slide8.xml><?xml version="1.0" encoding="utf-8"?>
 <p:sld xmlns:a="http://schemas.openxmlformats.org/drawingml/2006/main" xmlns:r="http://schemas.openxmlformats.org/officeDocument/2006/relationships" xmlns:p="http://schemas.openxmlformats.org/presentationml/2006/main">
   <p:cSld>
     <p:spTree>
@@ -3773,6 +3882,273 @@
 </p:sld>
 </file>
 
+<file path=ppt/slides/slide7.xml><?xml version="1.0" encoding="utf-8"?>
+<p:sld xmlns:a="http://schemas.openxmlformats.org/drawingml/2006/main" xmlns:r="http://schemas.openxmlformats.org/officeDocument/2006/relationships" xmlns:p="http://schemas.openxmlformats.org/presentationml/2006/main">
+  <p:cSld>
+    <p:spTree>
+      <p:nvGrpSpPr>
+        <p:cNvPr id="1" name=""/>
+        <p:cNvGrpSpPr/>
+        <p:nvPr/>
+      </p:nvGrpSpPr>
+      <p:grpSpPr>
+        <a:xfrm>
+          <a:off x="0" y="0"/>
+          <a:ext cx="0" cy="0"/>
+          <a:chOff x="0" y="0"/>
+          <a:chExt cx="0" cy="0"/>
+        </a:xfrm>
+      </p:grpSpPr>
+      <p:sp>
+        <p:nvSpPr>
+          <p:cNvPr id="2" name="Title 1"/>
+          <p:cNvSpPr>
+            <a:spLocks noGrp="1"/>
+          </p:cNvSpPr>
+          <p:nvPr>
+            <p:ph type="title"/>
+          </p:nvPr>
+        </p:nvSpPr>
+        <p:spPr/>
+        <p:txBody>
+          <a:bodyPr/>
+          <a:lstStyle/>
+          <a:p>
+            <a:r>
+              <a:rPr lang="en-US" dirty="0" smtClean="0">
+                <a:sym typeface="Franklin Gothic Medium" pitchFamily="34" charset="0"/>
+              </a:rPr>
+              <a:t>Tools Capability</a:t>
+            </a:r>
+            <a:endParaRPr lang="en-IN" dirty="0"/>
+          </a:p>
+        </p:txBody>
+      </p:sp>
+      <p:sp>
+        <p:nvSpPr>
+          <p:cNvPr id="3" name="Content Placeholder 2"/>
+          <p:cNvSpPr>
+            <a:spLocks noGrp="1"/>
+          </p:cNvSpPr>
+          <p:nvPr>
+            <p:ph idx="1"/>
+          </p:nvPr>
+        </p:nvSpPr>
+        <p:spPr/>
+        <p:txBody>
+          <a:bodyPr>
+            <a:normAutofit/>
+          </a:bodyPr>
+          <a:lstStyle/>
+          <a:p>
+            <a:r>
+              <a:rPr lang="en-US" sz="2800" dirty="0" smtClean="0"/>
+              <a:t>Tool is currently </a:t>
+            </a:r>
+            <a:r>
+              <a:rPr lang="en-US" sz="2800" dirty="0"/>
+              <a:t>supporting </a:t>
+            </a:r>
+            <a:r>
+              <a:rPr lang="en-US" sz="2800" dirty="0" smtClean="0"/>
+              <a:t>“SVN”,“</a:t>
+            </a:r>
+            <a:r>
+              <a:rPr lang="en-US" sz="2800" dirty="0" err="1" smtClean="0"/>
+              <a:t>Git</a:t>
+            </a:r>
+            <a:r>
+              <a:rPr lang="en-US" sz="2800" dirty="0" smtClean="0"/>
+              <a:t>” &amp; IBM </a:t>
+            </a:r>
+            <a:r>
+              <a:rPr lang="en-US" sz="2800" dirty="0" err="1" smtClean="0"/>
+              <a:t>Clearcase</a:t>
+            </a:r>
+            <a:r>
+              <a:rPr lang="en-US" sz="2800" dirty="0" smtClean="0"/>
+              <a:t> code repositories.</a:t>
+            </a:r>
+          </a:p>
+          <a:p>
+            <a:endParaRPr lang="en-US" sz="2800" dirty="0"/>
+          </a:p>
+          <a:p>
+            <a:r>
+              <a:rPr lang="en-US" sz="2800" dirty="0" smtClean="0"/>
+              <a:t>It is interface driven, can be further extended to support any SCM repository.</a:t>
+            </a:r>
+          </a:p>
+          <a:p>
+            <a:endParaRPr lang="en-US" sz="2800" dirty="0"/>
+          </a:p>
+          <a:p>
+            <a:r>
+              <a:rPr lang="en-IN" sz="2800" dirty="0" smtClean="0"/>
+              <a:t>Available as Sonar Plugin &amp; Standalone Program.</a:t>
+            </a:r>
+            <a:endParaRPr lang="en-IN" sz="2800" dirty="0"/>
+          </a:p>
+        </p:txBody>
+      </p:sp>
+    </p:spTree>
+    <p:extLst>
+      <p:ext uri="{BB962C8B-B14F-4D97-AF65-F5344CB8AC3E}">
+        <p14:creationId xmlns:p14="http://schemas.microsoft.com/office/powerpoint/2010/main" val="2774667277"/>
+      </p:ext>
+    </p:extLst>
+  </p:cSld>
+  <p:clrMapOvr>
+    <a:masterClrMapping/>
+  </p:clrMapOvr>
+  <p:timing>
+    <p:tnLst>
+      <p:par>
+        <p:cTn id="1" dur="indefinite" restart="never" nodeType="tmRoot"/>
+      </p:par>
+    </p:tnLst>
+  </p:timing>
+</p:sld>
+</file>
+
+<file path=ppt/slides/slide8.xml><?xml version="1.0" encoding="utf-8"?>
+<p:sld xmlns:a="http://schemas.openxmlformats.org/drawingml/2006/main" xmlns:r="http://schemas.openxmlformats.org/officeDocument/2006/relationships" xmlns:p="http://schemas.openxmlformats.org/presentationml/2006/main">
+  <p:cSld>
+    <p:spTree>
+      <p:nvGrpSpPr>
+        <p:cNvPr id="1" name=""/>
+        <p:cNvGrpSpPr/>
+        <p:nvPr/>
+      </p:nvGrpSpPr>
+      <p:grpSpPr>
+        <a:xfrm>
+          <a:off x="0" y="0"/>
+          <a:ext cx="0" cy="0"/>
+          <a:chOff x="0" y="0"/>
+          <a:chExt cx="0" cy="0"/>
+        </a:xfrm>
+      </p:grpSpPr>
+      <p:sp>
+        <p:nvSpPr>
+          <p:cNvPr id="2" name="Title 1"/>
+          <p:cNvSpPr>
+            <a:spLocks noGrp="1"/>
+          </p:cNvSpPr>
+          <p:nvPr>
+            <p:ph type="title"/>
+          </p:nvPr>
+        </p:nvSpPr>
+        <p:spPr/>
+        <p:txBody>
+          <a:bodyPr/>
+          <a:lstStyle/>
+          <a:p>
+            <a:pPr lvl="1"/>
+            <a:r>
+              <a:rPr lang="en-IN" sz="3400" kern="1200" dirty="0" smtClean="0">
+                <a:solidFill>
+                  <a:srgbClr val="369044"/>
+                </a:solidFill>
+                <a:latin typeface="Franklin Gothic Book" panose="020B0503020102020204" pitchFamily="34" charset="0"/>
+                <a:ea typeface="+mj-ea"/>
+                <a:cs typeface="+mj-cs"/>
+              </a:rPr>
+              <a:t>Tools Capabilities</a:t>
+            </a:r>
+            <a:endParaRPr lang="en-IN" sz="3400" kern="1200" dirty="0">
+              <a:solidFill>
+                <a:srgbClr val="369044"/>
+              </a:solidFill>
+              <a:latin typeface="Franklin Gothic Book" panose="020B0503020102020204" pitchFamily="34" charset="0"/>
+              <a:ea typeface="+mj-ea"/>
+              <a:cs typeface="+mj-cs"/>
+            </a:endParaRPr>
+          </a:p>
+        </p:txBody>
+      </p:sp>
+      <p:sp>
+        <p:nvSpPr>
+          <p:cNvPr id="3" name="Content Placeholder 2"/>
+          <p:cNvSpPr>
+            <a:spLocks noGrp="1"/>
+          </p:cNvSpPr>
+          <p:nvPr>
+            <p:ph idx="1"/>
+          </p:nvPr>
+        </p:nvSpPr>
+        <p:spPr/>
+        <p:txBody>
+          <a:bodyPr>
+            <a:normAutofit/>
+          </a:bodyPr>
+          <a:lstStyle/>
+          <a:p>
+            <a:r>
+              <a:rPr lang="en-IN" sz="2800" dirty="0" smtClean="0"/>
+              <a:t>Support </a:t>
+            </a:r>
+            <a:r>
+              <a:rPr lang="en-IN" sz="2800" dirty="0"/>
+              <a:t>For Multi Module </a:t>
+            </a:r>
+            <a:r>
+              <a:rPr lang="en-IN" sz="2800" dirty="0" smtClean="0"/>
+              <a:t>Projects</a:t>
+            </a:r>
+          </a:p>
+          <a:p>
+            <a:endParaRPr lang="en-IN" sz="2800" dirty="0"/>
+          </a:p>
+          <a:p>
+            <a:r>
+              <a:rPr lang="en-IN" sz="2800" dirty="0"/>
+              <a:t>Downloadable not covered lines of code for </a:t>
+            </a:r>
+            <a:r>
+              <a:rPr lang="en-IN" sz="2800" dirty="0" err="1"/>
+              <a:t>userstories</a:t>
+            </a:r>
+            <a:r>
+              <a:rPr lang="en-IN" sz="2800" dirty="0" smtClean="0"/>
+              <a:t>.</a:t>
+            </a:r>
+          </a:p>
+          <a:p>
+            <a:endParaRPr lang="en-IN" sz="2800" dirty="0"/>
+          </a:p>
+          <a:p>
+            <a:r>
+              <a:rPr lang="en-IN" sz="2800" dirty="0"/>
+              <a:t>Support for latest SonarQube </a:t>
+            </a:r>
+            <a:r>
+              <a:rPr lang="en-IN" sz="2800" dirty="0" smtClean="0"/>
+              <a:t>Version</a:t>
+            </a:r>
+            <a:endParaRPr lang="en-US" sz="2000" dirty="0" smtClean="0"/>
+          </a:p>
+        </p:txBody>
+      </p:sp>
+    </p:spTree>
+    <p:extLst>
+      <p:ext uri="{BB962C8B-B14F-4D97-AF65-F5344CB8AC3E}">
+        <p14:creationId xmlns:p14="http://schemas.microsoft.com/office/powerpoint/2010/main" val="2648510599"/>
+      </p:ext>
+    </p:extLst>
+  </p:cSld>
+  <p:clrMapOvr>
+    <a:masterClrMapping/>
+  </p:clrMapOvr>
+  <p:timing>
+    <p:tnLst>
+      <p:par>
+        <p:cTn id="1" dur="indefinite" restart="never" nodeType="tmRoot"/>
+      </p:par>
+    </p:tnLst>
+  </p:timing>
+</p:sld>
+</file>
+
 <file path=ppt/slides/slide9.xml><?xml version="1.0" encoding="utf-8"?>
 <p:sld xmlns:a="http://schemas.openxmlformats.org/drawingml/2006/main" xmlns:r="http://schemas.openxmlformats.org/officeDocument/2006/relationships" xmlns:p="http://schemas.openxmlformats.org/presentationml/2006/main">
   <p:cSld>
@@ -3802,87 +4178,126 @@
         </p:nvSpPr>
         <p:spPr/>
         <p:txBody>
-          <a:bodyPr>
-            <a:normAutofit fontScale="90000"/>
-          </a:bodyPr>
-          <a:lstStyle/>
-          <a:p>
-            <a:r>
-              <a:rPr lang="en-IN" dirty="0" smtClean="0"/>
-              <a:t>USSCC Plugin – Add to </a:t>
-            </a:r>
-            <a:r>
-              <a:rPr lang="en-IN" dirty="0" err="1" smtClean="0"/>
-              <a:t>SonarQube</a:t>
-            </a:r>
-            <a:r>
-              <a:rPr lang="en-IN" dirty="0" smtClean="0"/>
-              <a:t> Dashboard</a:t>
-            </a:r>
-            <a:endParaRPr lang="en-IN" dirty="0"/>
-          </a:p>
-        </p:txBody>
-      </p:sp>
-      <p:sp>
-        <p:nvSpPr>
-          <p:cNvPr id="6" name="Content Placeholder 5"/>
-          <p:cNvSpPr>
-            <a:spLocks noGrp="1"/>
-          </p:cNvSpPr>
-          <p:nvPr>
-            <p:ph idx="1"/>
-          </p:nvPr>
-        </p:nvSpPr>
-        <p:spPr/>
-        <p:txBody>
           <a:bodyPr/>
           <a:lstStyle/>
           <a:p>
-            <a:endParaRPr lang="en-IN"/>
-          </a:p>
-        </p:txBody>
-      </p:sp>
-      <p:pic>
-        <p:nvPicPr>
-          <p:cNvPr id="12" name="Picture 11"/>
-          <p:cNvPicPr>
-            <a:picLocks noChangeAspect="1"/>
-          </p:cNvPicPr>
-          <p:nvPr/>
-        </p:nvPicPr>
-        <p:blipFill>
-          <a:blip r:embed="rId2"/>
-          <a:stretch>
-            <a:fillRect/>
-          </a:stretch>
-        </p:blipFill>
-        <p:spPr>
-          <a:xfrm>
-            <a:off x="471152" y="1752600"/>
-            <a:ext cx="8199651" cy="3276600"/>
-          </a:xfrm>
-          <a:prstGeom prst="rect">
-            <a:avLst/>
-          </a:prstGeom>
-        </p:spPr>
-      </p:pic>
+            <a:r>
+              <a:rPr lang="en-US" dirty="0" smtClean="0"/>
+              <a:t>Pre Requisites</a:t>
+            </a:r>
+            <a:endParaRPr lang="en-US" dirty="0"/>
+          </a:p>
+        </p:txBody>
+      </p:sp>
+      <p:sp>
+        <p:nvSpPr>
+          <p:cNvPr id="3" name="Content Placeholder 2"/>
+          <p:cNvSpPr>
+            <a:spLocks noGrp="1"/>
+          </p:cNvSpPr>
+          <p:nvPr>
+            <p:ph idx="1"/>
+          </p:nvPr>
+        </p:nvSpPr>
+        <p:spPr/>
+        <p:txBody>
+          <a:bodyPr/>
+          <a:lstStyle/>
+          <a:p>
+            <a:r>
+              <a:rPr lang="en-US" dirty="0" smtClean="0"/>
+              <a:t>Maven Project</a:t>
+            </a:r>
+          </a:p>
+          <a:p>
+            <a:r>
+              <a:rPr lang="en-US" dirty="0" err="1" smtClean="0"/>
+              <a:t>Git</a:t>
+            </a:r>
+            <a:r>
+              <a:rPr lang="en-US" dirty="0" smtClean="0"/>
+              <a:t>, SVN or </a:t>
+            </a:r>
+            <a:r>
+              <a:rPr lang="en-US" dirty="0" err="1" smtClean="0"/>
+              <a:t>Clearcase</a:t>
+            </a:r>
+            <a:r>
+              <a:rPr lang="en-US" dirty="0" smtClean="0"/>
+              <a:t> as </a:t>
+            </a:r>
+            <a:r>
+              <a:rPr lang="en-US" dirty="0"/>
+              <a:t>Repository</a:t>
+            </a:r>
+            <a:endParaRPr lang="en-US" dirty="0" smtClean="0"/>
+          </a:p>
+          <a:p>
+            <a:r>
+              <a:rPr lang="en-US" dirty="0" smtClean="0"/>
+              <a:t>Developer need to check-in into repository with message containing user story number.</a:t>
+            </a:r>
+          </a:p>
+          <a:p>
+            <a:r>
+              <a:rPr lang="en-US" dirty="0" smtClean="0"/>
+              <a:t>Project should create one of the below file with build</a:t>
+            </a:r>
+          </a:p>
+          <a:p>
+            <a:pPr lvl="1"/>
+            <a:r>
+              <a:rPr lang="en-US" dirty="0" smtClean="0"/>
+              <a:t>Jacoco.xml (for Jacoco)</a:t>
+            </a:r>
+          </a:p>
+          <a:p>
+            <a:pPr lvl="1"/>
+            <a:r>
+              <a:rPr lang="en-US" dirty="0" smtClean="0"/>
+              <a:t>Or coverage.xml (for Cobertura)</a:t>
+            </a:r>
+          </a:p>
+          <a:p>
+            <a:pPr marL="457200" lvl="1" indent="0">
+              <a:buNone/>
+            </a:pPr>
+            <a:r>
+              <a:rPr lang="en-US" smtClean="0"/>
+              <a:t>-&gt; This </a:t>
+            </a:r>
+            <a:r>
+              <a:rPr lang="en-US" dirty="0" smtClean="0"/>
+              <a:t>can be done by minor </a:t>
+            </a:r>
+            <a:r>
+              <a:rPr lang="en-US" dirty="0" err="1" smtClean="0"/>
+              <a:t>pom</a:t>
+            </a:r>
+            <a:r>
+              <a:rPr lang="en-US" dirty="0" smtClean="0"/>
+              <a:t> modification.</a:t>
+            </a:r>
+          </a:p>
+          <a:p>
+            <a:r>
+              <a:rPr lang="en-US" dirty="0" smtClean="0"/>
+              <a:t>Sonar Setup (For Sonar Plugin Only)</a:t>
+            </a:r>
+            <a:endParaRPr lang="en-US" dirty="0"/>
+          </a:p>
+        </p:txBody>
+      </p:sp>
     </p:spTree>
     <p:extLst>
       <p:ext uri="{BB962C8B-B14F-4D97-AF65-F5344CB8AC3E}">
-        <p14:creationId xmlns:p14="http://schemas.microsoft.com/office/powerpoint/2010/main" val="1847701018"/>
+        <p14:creationId xmlns:p14="http://schemas.microsoft.com/office/powerpoint/2010/main" val="945263711"/>
       </p:ext>
     </p:extLst>
   </p:cSld>
   <p:clrMapOvr>
     <a:masterClrMapping/>
   </p:clrMapOvr>
-  <p:timing>
-    <p:tnLst>
-      <p:par>
-        <p:cTn id="1" dur="indefinite" restart="never" nodeType="tmRoot"/>
-      </p:par>
-    </p:tnLst>
-  </p:timing>
 </p:sld>
 </file>
 

--- a/USSCC_DOCUMENT/presentations/User Story Specific Code Coverage Tool.pptx
+++ b/USSCC_DOCUMENT/presentations/User Story Specific Code Coverage Tool.pptx
@@ -260,7 +260,7 @@
           <a:p>
             <a:fld id="{41BCB488-1B50-49E6-94C4-12062B299152}" type="datetimeFigureOut">
               <a:rPr lang="en-US" smtClean="0"/>
-              <a:t>5/23/2017</a:t>
+              <a:t>5/24/2017</a:t>
             </a:fld>
             <a:endParaRPr lang="en-US" dirty="0"/>
           </a:p>
@@ -425,7 +425,7 @@
           <a:p>
             <a:fld id="{F8E55279-6DA4-4269-A1DB-6817F96B4217}" type="datetimeFigureOut">
               <a:rPr lang="en-US" smtClean="0"/>
-              <a:t>5/23/2017</a:t>
+              <a:t>5/24/2017</a:t>
             </a:fld>
             <a:endParaRPr lang="en-US" dirty="0"/>
           </a:p>
@@ -2320,14 +2320,14 @@
           </a:ln>
           <a:extLst>
             <a:ext uri="{909E8E84-426E-40dd-AFC4-6F175D3DCCD1}">
-              <a14:hiddenFill xmlns:a14="http://schemas.microsoft.com/office/drawing/2010/main" xmlns="">
+              <a14:hiddenFill xmlns="" xmlns:a14="http://schemas.microsoft.com/office/drawing/2010/main">
                 <a:solidFill>
                   <a:srgbClr val="FFFFFF"/>
                 </a:solidFill>
               </a14:hiddenFill>
             </a:ext>
             <a:ext uri="{91240B29-F687-4f45-9708-019B960494DF}">
-              <a14:hiddenLine xmlns:a14="http://schemas.microsoft.com/office/drawing/2010/main" xmlns="" w="9525">
+              <a14:hiddenLine xmlns="" xmlns:a14="http://schemas.microsoft.com/office/drawing/2010/main" w="9525">
                 <a:solidFill>
                   <a:srgbClr val="000000"/>
                 </a:solidFill>
@@ -3166,11 +3166,7 @@
             </a:r>
             <a:r>
               <a:rPr lang="en-US" dirty="0" smtClean="0"/>
-              <a:t>” to </a:t>
-            </a:r>
-            <a:r>
-              <a:rPr lang="en-US" dirty="0" smtClean="0"/>
-              <a:t>build the standalone project </a:t>
+              <a:t>” to build the standalone project </a:t>
             </a:r>
             <a:endParaRPr lang="en-US" dirty="0"/>
           </a:p>
@@ -4263,12 +4259,8 @@
               <a:buNone/>
             </a:pPr>
             <a:r>
-              <a:rPr lang="en-US" smtClean="0"/>
-              <a:t>-&gt; This </a:t>
-            </a:r>
-            <a:r>
               <a:rPr lang="en-US" dirty="0" smtClean="0"/>
-              <a:t>can be done by minor </a:t>
+              <a:t>-&gt; This can be done by minor </a:t>
             </a:r>
             <a:r>
               <a:rPr lang="en-US" dirty="0" err="1" smtClean="0"/>
@@ -4282,7 +4274,45 @@
           <a:p>
             <a:r>
               <a:rPr lang="en-US" dirty="0" smtClean="0"/>
-              <a:t>Sonar Setup (For Sonar Plugin Only)</a:t>
+              <a:t>Sonar Setup (For Sonar Plugin Only</a:t>
+            </a:r>
+            <a:r>
+              <a:rPr lang="en-US" dirty="0" smtClean="0"/>
+              <a:t>)</a:t>
+            </a:r>
+          </a:p>
+          <a:p>
+            <a:r>
+              <a:rPr lang="en-US" dirty="0" smtClean="0"/>
+              <a:t>Local </a:t>
+            </a:r>
+            <a:r>
+              <a:rPr lang="en-US" dirty="0" err="1" smtClean="0"/>
+              <a:t>git</a:t>
+            </a:r>
+            <a:r>
+              <a:rPr lang="en-US"/>
+              <a:t> </a:t>
+            </a:r>
+            <a:r>
+              <a:rPr lang="en-US" smtClean="0"/>
+              <a:t>setup or </a:t>
+            </a:r>
+            <a:r>
+              <a:rPr lang="en-US" dirty="0" err="1"/>
+              <a:t>collabnet</a:t>
+            </a:r>
+            <a:r>
+              <a:rPr lang="en-US" dirty="0"/>
+              <a:t> subversion </a:t>
+            </a:r>
+            <a:r>
+              <a:rPr lang="en-US" dirty="0" smtClean="0"/>
+              <a:t>software for </a:t>
+            </a:r>
+            <a:r>
+              <a:rPr lang="en-US" dirty="0" err="1" smtClean="0"/>
+              <a:t>svn</a:t>
             </a:r>
             <a:endParaRPr lang="en-US" dirty="0"/>
           </a:p>
@@ -5162,9 +5192,12 @@
 </file>
 
 <file path=customXml/item1.xml><?xml version="1.0" encoding="utf-8"?>
-<p:properties xmlns:p="http://schemas.microsoft.com/office/2006/metadata/properties" xmlns:xsi="http://www.w3.org/2001/XMLSchema-instance" xmlns:pc="http://schemas.microsoft.com/office/infopath/2007/PartnerControls">
-  <documentManagement/>
-</p:properties>
+<?mso-contentType ?>
+<FormTemplates xmlns="http://schemas.microsoft.com/sharepoint/v3/contenttype/forms">
+  <Display>DocumentLibraryForm</Display>
+  <Edit>DocumentLibraryForm</Edit>
+  <New>DocumentLibraryForm</New>
+</FormTemplates>
 </file>
 
 <file path=customXml/item2.xml><?xml version="1.0" encoding="utf-8"?>
@@ -5282,19 +5315,15 @@
 </file>
 
 <file path=customXml/item3.xml><?xml version="1.0" encoding="utf-8"?>
-<?mso-contentType ?>
-<FormTemplates xmlns="http://schemas.microsoft.com/sharepoint/v3/contenttype/forms">
-  <Display>DocumentLibraryForm</Display>
-  <Edit>DocumentLibraryForm</Edit>
-  <New>DocumentLibraryForm</New>
-</FormTemplates>
+<p:properties xmlns:p="http://schemas.microsoft.com/office/2006/metadata/properties" xmlns:xsi="http://www.w3.org/2001/XMLSchema-instance" xmlns:pc="http://schemas.microsoft.com/office/infopath/2007/PartnerControls">
+  <documentManagement/>
+</p:properties>
 </file>
 
 <file path=customXml/itemProps1.xml><?xml version="1.0" encoding="utf-8"?>
-<ds:datastoreItem xmlns:ds="http://schemas.openxmlformats.org/officeDocument/2006/customXml" ds:itemID="{9A6B4C8E-E2C6-4E4A-B9F4-E6810B733BD8}">
+<ds:datastoreItem xmlns:ds="http://schemas.openxmlformats.org/officeDocument/2006/customXml" ds:itemID="{D53A3236-226E-45D9-975E-A09A5DC83BB9}">
   <ds:schemaRefs>
-    <ds:schemaRef ds:uri="http://schemas.microsoft.com/office/2006/metadata/properties"/>
-    <ds:schemaRef ds:uri="http://schemas.microsoft.com/office/infopath/2007/PartnerControls"/>
+    <ds:schemaRef ds:uri="http://schemas.microsoft.com/sharepoint/v3/contenttype/forms"/>
   </ds:schemaRefs>
 </ds:datastoreItem>
 </file>
@@ -5316,9 +5345,10 @@
 </file>
 
 <file path=customXml/itemProps3.xml><?xml version="1.0" encoding="utf-8"?>
-<ds:datastoreItem xmlns:ds="http://schemas.openxmlformats.org/officeDocument/2006/customXml" ds:itemID="{D53A3236-226E-45D9-975E-A09A5DC83BB9}">
+<ds:datastoreItem xmlns:ds="http://schemas.openxmlformats.org/officeDocument/2006/customXml" ds:itemID="{9A6B4C8E-E2C6-4E4A-B9F4-E6810B733BD8}">
   <ds:schemaRefs>
-    <ds:schemaRef ds:uri="http://schemas.microsoft.com/sharepoint/v3/contenttype/forms"/>
+    <ds:schemaRef ds:uri="http://schemas.microsoft.com/office/2006/metadata/properties"/>
+    <ds:schemaRef ds:uri="http://schemas.microsoft.com/office/infopath/2007/PartnerControls"/>
   </ds:schemaRefs>
 </ds:datastoreItem>
 </file>
--- a/USSCC_DOCUMENT/presentations/User Story Specific Code Coverage Tool.pptx
+++ b/USSCC_DOCUMENT/presentations/User Story Specific Code Coverage Tool.pptx
@@ -260,7 +260,7 @@
           <a:p>
             <a:fld id="{41BCB488-1B50-49E6-94C4-12062B299152}" type="datetimeFigureOut">
               <a:rPr lang="en-US" smtClean="0"/>
-              <a:t>5/24/2017</a:t>
+              <a:t>5/26/2017</a:t>
             </a:fld>
             <a:endParaRPr lang="en-US" dirty="0"/>
           </a:p>
@@ -425,7 +425,7 @@
           <a:p>
             <a:fld id="{F8E55279-6DA4-4269-A1DB-6817F96B4217}" type="datetimeFigureOut">
               <a:rPr lang="en-US" smtClean="0"/>
-              <a:t>5/24/2017</a:t>
+              <a:t>5/26/2017</a:t>
             </a:fld>
             <a:endParaRPr lang="en-US" dirty="0"/>
           </a:p>
@@ -2320,14 +2320,14 @@
           </a:ln>
           <a:extLst>
             <a:ext uri="{909E8E84-426E-40dd-AFC4-6F175D3DCCD1}">
-              <a14:hiddenFill xmlns="" xmlns:a14="http://schemas.microsoft.com/office/drawing/2010/main">
+              <a14:hiddenFill xmlns:a14="http://schemas.microsoft.com/office/drawing/2010/main" xmlns="">
                 <a:solidFill>
                   <a:srgbClr val="FFFFFF"/>
                 </a:solidFill>
               </a14:hiddenFill>
             </a:ext>
             <a:ext uri="{91240B29-F687-4f45-9708-019B960494DF}">
-              <a14:hiddenLine xmlns="" xmlns:a14="http://schemas.microsoft.com/office/drawing/2010/main" w="9525">
+              <a14:hiddenLine xmlns:a14="http://schemas.microsoft.com/office/drawing/2010/main" xmlns="" w="9525">
                 <a:solidFill>
                   <a:srgbClr val="000000"/>
                 </a:solidFill>
@@ -3349,12 +3349,17 @@
           <a:p>
             <a:r>
               <a:rPr lang="en-IN" sz="2800" dirty="0"/>
-              <a:t>Solution and </a:t>
+              <a:t>Solution </a:t>
+            </a:r>
+            <a:r>
+              <a:rPr lang="en-IN" sz="2800" dirty="0" smtClean="0"/>
+              <a:t>&amp; </a:t>
             </a:r>
             <a:r>
               <a:rPr lang="en-US" sz="2800" dirty="0" smtClean="0"/>
               <a:t>Benefits</a:t>
             </a:r>
+            <a:endParaRPr lang="en-US" sz="2800" dirty="0" smtClean="0"/>
           </a:p>
           <a:p>
             <a:r>
@@ -3554,7 +3559,15 @@
           <a:p>
             <a:r>
               <a:rPr lang="en-IN" dirty="0" smtClean="0"/>
-              <a:t>Solution and </a:t>
+              <a:t>Solution </a:t>
+            </a:r>
+            <a:r>
+              <a:rPr lang="en-IN" dirty="0"/>
+              <a:t>&amp;</a:t>
+            </a:r>
+            <a:r>
+              <a:rPr lang="en-IN" dirty="0" smtClean="0"/>
+              <a:t> </a:t>
             </a:r>
             <a:r>
               <a:rPr lang="en-US" dirty="0"/>
@@ -3601,7 +3614,15 @@
           <a:p>
             <a:r>
               <a:rPr lang="en-IN" sz="2800" dirty="0" smtClean="0"/>
-              <a:t>This give clear picture in terms of percentage of code coverage for each user story.</a:t>
+              <a:t>This </a:t>
+            </a:r>
+            <a:r>
+              <a:rPr lang="en-IN" sz="2800" dirty="0" smtClean="0"/>
+              <a:t>gives </a:t>
+            </a:r>
+            <a:r>
+              <a:rPr lang="en-IN" sz="2800" dirty="0" smtClean="0"/>
+              <a:t>clear picture in terms of percentage of code coverage for each user story.</a:t>
             </a:r>
           </a:p>
           <a:p>
@@ -4274,11 +4295,7 @@
           <a:p>
             <a:r>
               <a:rPr lang="en-US" dirty="0" smtClean="0"/>
-              <a:t>Sonar Setup (For Sonar Plugin Only</a:t>
-            </a:r>
-            <a:r>
-              <a:rPr lang="en-US" dirty="0" smtClean="0"/>
-              <a:t>)</a:t>
+              <a:t>Sonar Setup (For Sonar Plugin Only)</a:t>
             </a:r>
           </a:p>
           <a:p>
@@ -5192,12 +5209,9 @@
 </file>
 
 <file path=customXml/item1.xml><?xml version="1.0" encoding="utf-8"?>
-<?mso-contentType ?>
-<FormTemplates xmlns="http://schemas.microsoft.com/sharepoint/v3/contenttype/forms">
-  <Display>DocumentLibraryForm</Display>
-  <Edit>DocumentLibraryForm</Edit>
-  <New>DocumentLibraryForm</New>
-</FormTemplates>
+<p:properties xmlns:p="http://schemas.microsoft.com/office/2006/metadata/properties" xmlns:xsi="http://www.w3.org/2001/XMLSchema-instance" xmlns:pc="http://schemas.microsoft.com/office/infopath/2007/PartnerControls">
+  <documentManagement/>
+</p:properties>
 </file>
 
 <file path=customXml/item2.xml><?xml version="1.0" encoding="utf-8"?>
@@ -5315,15 +5329,19 @@
 </file>
 
 <file path=customXml/item3.xml><?xml version="1.0" encoding="utf-8"?>
-<p:properties xmlns:p="http://schemas.microsoft.com/office/2006/metadata/properties" xmlns:xsi="http://www.w3.org/2001/XMLSchema-instance" xmlns:pc="http://schemas.microsoft.com/office/infopath/2007/PartnerControls">
-  <documentManagement/>
-</p:properties>
+<?mso-contentType ?>
+<FormTemplates xmlns="http://schemas.microsoft.com/sharepoint/v3/contenttype/forms">
+  <Display>DocumentLibraryForm</Display>
+  <Edit>DocumentLibraryForm</Edit>
+  <New>DocumentLibraryForm</New>
+</FormTemplates>
 </file>
 
 <file path=customXml/itemProps1.xml><?xml version="1.0" encoding="utf-8"?>
-<ds:datastoreItem xmlns:ds="http://schemas.openxmlformats.org/officeDocument/2006/customXml" ds:itemID="{D53A3236-226E-45D9-975E-A09A5DC83BB9}">
+<ds:datastoreItem xmlns:ds="http://schemas.openxmlformats.org/officeDocument/2006/customXml" ds:itemID="{9A6B4C8E-E2C6-4E4A-B9F4-E6810B733BD8}">
   <ds:schemaRefs>
-    <ds:schemaRef ds:uri="http://schemas.microsoft.com/sharepoint/v3/contenttype/forms"/>
+    <ds:schemaRef ds:uri="http://schemas.microsoft.com/office/2006/metadata/properties"/>
+    <ds:schemaRef ds:uri="http://schemas.microsoft.com/office/infopath/2007/PartnerControls"/>
   </ds:schemaRefs>
 </ds:datastoreItem>
 </file>
@@ -5345,10 +5363,9 @@
 </file>
 
 <file path=customXml/itemProps3.xml><?xml version="1.0" encoding="utf-8"?>
-<ds:datastoreItem xmlns:ds="http://schemas.openxmlformats.org/officeDocument/2006/customXml" ds:itemID="{9A6B4C8E-E2C6-4E4A-B9F4-E6810B733BD8}">
+<ds:datastoreItem xmlns:ds="http://schemas.openxmlformats.org/officeDocument/2006/customXml" ds:itemID="{D53A3236-226E-45D9-975E-A09A5DC83BB9}">
   <ds:schemaRefs>
-    <ds:schemaRef ds:uri="http://schemas.microsoft.com/office/2006/metadata/properties"/>
-    <ds:schemaRef ds:uri="http://schemas.microsoft.com/office/infopath/2007/PartnerControls"/>
+    <ds:schemaRef ds:uri="http://schemas.microsoft.com/sharepoint/v3/contenttype/forms"/>
   </ds:schemaRefs>
 </ds:datastoreItem>
 </file>